--- a/Week 5/Week 5 Slides.pptx
+++ b/Week 5/Week 5 Slides.pptx
@@ -5,7 +5,7 @@
     <p:sldMasterId id="2147483648" r:id="rId1"/>
   </p:sldMasterIdLst>
   <p:notesMasterIdLst>
-    <p:notesMasterId r:id="rId45"/>
+    <p:notesMasterId r:id="rId46"/>
   </p:notesMasterIdLst>
   <p:sldIdLst>
     <p:sldId id="256" r:id="rId2"/>
@@ -51,6 +51,7 @@
     <p:sldId id="302" r:id="rId42"/>
     <p:sldId id="293" r:id="rId43"/>
     <p:sldId id="294" r:id="rId44"/>
+    <p:sldId id="303" r:id="rId45"/>
   </p:sldIdLst>
   <p:sldSz cx="12192000" cy="6858000"/>
   <p:notesSz cx="6858000" cy="9144000"/>
@@ -239,7 +240,7 @@
           <a:p>
             <a:fld id="{046DBA6D-F08A-6C4B-AB7E-E7AA6EC63E09}" type="datetimeFigureOut">
               <a:rPr lang="en-US" smtClean="0"/>
-              <a:t>11/13/18</a:t>
+              <a:t>11/14/18</a:t>
             </a:fld>
             <a:endParaRPr lang="en-US"/>
           </a:p>
@@ -553,8 +554,15 @@
           <a:p>
             <a:r>
               <a:rPr lang="en-US" dirty="0" smtClean="0"/>
-              <a:t>What is a class? </a:t>
-            </a:r>
+              <a:t>[Go</a:t>
+            </a:r>
+            <a:r>
+              <a:rPr lang="en-US" baseline="0" dirty="0" smtClean="0"/>
+              <a:t> through functions “Exercises”]</a:t>
+            </a:r>
+          </a:p>
+          <a:p>
+            <a:endParaRPr lang="en-US" dirty="0"/>
           </a:p>
         </p:txBody>
       </p:sp>
@@ -575,7 +583,7 @@
           <a:p>
             <a:fld id="{A2A96CE4-4593-BD4E-ACFD-4AA346581587}" type="slidenum">
               <a:rPr lang="en-US" smtClean="0"/>
-              <a:t>3</a:t>
+              <a:t>2</a:t>
             </a:fld>
             <a:endParaRPr lang="en-US"/>
           </a:p>
@@ -584,7 +592,7 @@
     </p:spTree>
     <p:extLst>
       <p:ext uri="{BB962C8B-B14F-4D97-AF65-F5344CB8AC3E}">
-        <p14:creationId xmlns:p14="http://schemas.microsoft.com/office/powerpoint/2010/main" val="261201853"/>
+        <p14:creationId xmlns:p14="http://schemas.microsoft.com/office/powerpoint/2010/main" val="370756622"/>
       </p:ext>
     </p:extLst>
   </p:cSld>
@@ -657,11 +665,11 @@
             </a:pPr>
             <a:r>
               <a:rPr lang="en-US" dirty="0" smtClean="0"/>
-              <a:t>And</a:t>
+              <a:t>Here we see that he has two attributes:</a:t>
             </a:r>
             <a:r>
               <a:rPr lang="en-US" baseline="0" dirty="0" smtClean="0"/>
-              <a:t> he also has a method called “eat” </a:t>
+              <a:t> his name and his hunger level</a:t>
             </a:r>
             <a:endParaRPr lang="en-US" dirty="0" smtClean="0"/>
           </a:p>
@@ -684,7 +692,7 @@
           <a:p>
             <a:fld id="{A2A96CE4-4593-BD4E-ACFD-4AA346581587}" type="slidenum">
               <a:rPr lang="en-US" smtClean="0"/>
-              <a:t>12</a:t>
+              <a:t>11</a:t>
             </a:fld>
             <a:endParaRPr lang="en-US"/>
           </a:p>
@@ -693,7 +701,7 @@
     </p:spTree>
     <p:extLst>
       <p:ext uri="{BB962C8B-B14F-4D97-AF65-F5344CB8AC3E}">
-        <p14:creationId xmlns:p14="http://schemas.microsoft.com/office/powerpoint/2010/main" val="667447836"/>
+        <p14:creationId xmlns:p14="http://schemas.microsoft.com/office/powerpoint/2010/main" val="1009688069"/>
       </p:ext>
     </p:extLst>
   </p:cSld>
@@ -770,7 +778,7 @@
             </a:r>
             <a:r>
               <a:rPr lang="en-US" baseline="0" dirty="0" smtClean="0"/>
-              <a:t> by giving Garfield and his hunger a second look we realize that eating has indeed reduced his hunger level. </a:t>
+              <a:t> he also has a method called “eat” </a:t>
             </a:r>
             <a:endParaRPr lang="en-US" dirty="0" smtClean="0"/>
           </a:p>
@@ -793,7 +801,7 @@
           <a:p>
             <a:fld id="{A2A96CE4-4593-BD4E-ACFD-4AA346581587}" type="slidenum">
               <a:rPr lang="en-US" smtClean="0"/>
-              <a:t>13</a:t>
+              <a:t>12</a:t>
             </a:fld>
             <a:endParaRPr lang="en-US"/>
           </a:p>
@@ -802,7 +810,7 @@
     </p:spTree>
     <p:extLst>
       <p:ext uri="{BB962C8B-B14F-4D97-AF65-F5344CB8AC3E}">
-        <p14:creationId xmlns:p14="http://schemas.microsoft.com/office/powerpoint/2010/main" val="103901200"/>
+        <p14:creationId xmlns:p14="http://schemas.microsoft.com/office/powerpoint/2010/main" val="667447836"/>
       </p:ext>
     </p:extLst>
   </p:cSld>
@@ -856,11 +864,32 @@
           <a:bodyPr/>
           <a:lstStyle/>
           <a:p>
+            <a:pPr marL="0" marR="0" indent="0" algn="l" defTabSz="914400" rtl="0" eaLnBrk="1" fontAlgn="auto" latinLnBrk="0" hangingPunct="1">
+              <a:lnSpc>
+                <a:spcPct val="100000"/>
+              </a:lnSpc>
+              <a:spcBef>
+                <a:spcPts val="0"/>
+              </a:spcBef>
+              <a:spcAft>
+                <a:spcPts val="0"/>
+              </a:spcAft>
+              <a:buClrTx/>
+              <a:buSzTx/>
+              <a:buFontTx/>
+              <a:buNone/>
+              <a:tabLst/>
+              <a:defRPr/>
+            </a:pPr>
             <a:r>
               <a:rPr lang="en-US" dirty="0" smtClean="0"/>
-              <a:t>It’s all inter-connected.</a:t>
-            </a:r>
-            <a:endParaRPr lang="en-US" dirty="0"/>
+              <a:t>And</a:t>
+            </a:r>
+            <a:r>
+              <a:rPr lang="en-US" baseline="0" dirty="0" smtClean="0"/>
+              <a:t> by giving Garfield and his hunger a second look we realize that eating has indeed reduced his hunger level. </a:t>
+            </a:r>
+            <a:endParaRPr lang="en-US" dirty="0" smtClean="0"/>
           </a:p>
         </p:txBody>
       </p:sp>
@@ -881,7 +910,7 @@
           <a:p>
             <a:fld id="{A2A96CE4-4593-BD4E-ACFD-4AA346581587}" type="slidenum">
               <a:rPr lang="en-US" smtClean="0"/>
-              <a:t>16</a:t>
+              <a:t>13</a:t>
             </a:fld>
             <a:endParaRPr lang="en-US"/>
           </a:p>
@@ -890,7 +919,7 @@
     </p:spTree>
     <p:extLst>
       <p:ext uri="{BB962C8B-B14F-4D97-AF65-F5344CB8AC3E}">
-        <p14:creationId xmlns:p14="http://schemas.microsoft.com/office/powerpoint/2010/main" val="981208092"/>
+        <p14:creationId xmlns:p14="http://schemas.microsoft.com/office/powerpoint/2010/main" val="103901200"/>
       </p:ext>
     </p:extLst>
   </p:cSld>
@@ -946,17 +975,9 @@
           <a:p>
             <a:r>
               <a:rPr lang="en-US" dirty="0" smtClean="0"/>
-              <a:t>Python does not have</a:t>
-            </a:r>
-            <a:r>
-              <a:rPr lang="en-US" baseline="0" dirty="0" smtClean="0"/>
-              <a:t> a built-in </a:t>
-            </a:r>
-            <a:r>
-              <a:rPr lang="en-US" baseline="0" smtClean="0"/>
-              <a:t>cat type, so I made my own!</a:t>
-            </a:r>
-            <a:endParaRPr lang="en-US"/>
+              <a:t>It’s all inter-connected.</a:t>
+            </a:r>
+            <a:endParaRPr lang="en-US" dirty="0"/>
           </a:p>
         </p:txBody>
       </p:sp>
@@ -977,7 +998,7 @@
           <a:p>
             <a:fld id="{A2A96CE4-4593-BD4E-ACFD-4AA346581587}" type="slidenum">
               <a:rPr lang="en-US" smtClean="0"/>
-              <a:t>17</a:t>
+              <a:t>16</a:t>
             </a:fld>
             <a:endParaRPr lang="en-US"/>
           </a:p>
@@ -986,7 +1007,7 @@
     </p:spTree>
     <p:extLst>
       <p:ext uri="{BB962C8B-B14F-4D97-AF65-F5344CB8AC3E}">
-        <p14:creationId xmlns:p14="http://schemas.microsoft.com/office/powerpoint/2010/main" val="312328833"/>
+        <p14:creationId xmlns:p14="http://schemas.microsoft.com/office/powerpoint/2010/main" val="981208092"/>
       </p:ext>
     </p:extLst>
   </p:cSld>
@@ -1046,9 +1067,13 @@
             </a:r>
             <a:r>
               <a:rPr lang="en-US" baseline="0" dirty="0" smtClean="0"/>
-              <a:t> a built-in cat type, so I made my own!</a:t>
-            </a:r>
-            <a:endParaRPr lang="en-US" dirty="0"/>
+              <a:t> a built-in </a:t>
+            </a:r>
+            <a:r>
+              <a:rPr lang="en-US" baseline="0" smtClean="0"/>
+              <a:t>cat type, so I made my own!</a:t>
+            </a:r>
+            <a:endParaRPr lang="en-US"/>
           </a:p>
         </p:txBody>
       </p:sp>
@@ -1069,7 +1094,7 @@
           <a:p>
             <a:fld id="{A2A96CE4-4593-BD4E-ACFD-4AA346581587}" type="slidenum">
               <a:rPr lang="en-US" smtClean="0"/>
-              <a:t>18</a:t>
+              <a:t>17</a:t>
             </a:fld>
             <a:endParaRPr lang="en-US"/>
           </a:p>
@@ -1078,7 +1103,7 @@
     </p:spTree>
     <p:extLst>
       <p:ext uri="{BB962C8B-B14F-4D97-AF65-F5344CB8AC3E}">
-        <p14:creationId xmlns:p14="http://schemas.microsoft.com/office/powerpoint/2010/main" val="744983651"/>
+        <p14:creationId xmlns:p14="http://schemas.microsoft.com/office/powerpoint/2010/main" val="312328833"/>
       </p:ext>
     </p:extLst>
   </p:cSld>
@@ -1161,7 +1186,7 @@
           <a:p>
             <a:fld id="{A2A96CE4-4593-BD4E-ACFD-4AA346581587}" type="slidenum">
               <a:rPr lang="en-US" smtClean="0"/>
-              <a:t>19</a:t>
+              <a:t>18</a:t>
             </a:fld>
             <a:endParaRPr lang="en-US"/>
           </a:p>
@@ -1170,7 +1195,7 @@
     </p:spTree>
     <p:extLst>
       <p:ext uri="{BB962C8B-B14F-4D97-AF65-F5344CB8AC3E}">
-        <p14:creationId xmlns:p14="http://schemas.microsoft.com/office/powerpoint/2010/main" val="1859667735"/>
+        <p14:creationId xmlns:p14="http://schemas.microsoft.com/office/powerpoint/2010/main" val="744983651"/>
       </p:ext>
     </p:extLst>
   </p:cSld>
@@ -1253,7 +1278,7 @@
           <a:p>
             <a:fld id="{A2A96CE4-4593-BD4E-ACFD-4AA346581587}" type="slidenum">
               <a:rPr lang="en-US" smtClean="0"/>
-              <a:t>20</a:t>
+              <a:t>19</a:t>
             </a:fld>
             <a:endParaRPr lang="en-US"/>
           </a:p>
@@ -1262,7 +1287,7 @@
     </p:spTree>
     <p:extLst>
       <p:ext uri="{BB962C8B-B14F-4D97-AF65-F5344CB8AC3E}">
-        <p14:creationId xmlns:p14="http://schemas.microsoft.com/office/powerpoint/2010/main" val="172620469"/>
+        <p14:creationId xmlns:p14="http://schemas.microsoft.com/office/powerpoint/2010/main" val="1859667735"/>
       </p:ext>
     </p:extLst>
   </p:cSld>
@@ -1345,7 +1370,7 @@
           <a:p>
             <a:fld id="{A2A96CE4-4593-BD4E-ACFD-4AA346581587}" type="slidenum">
               <a:rPr lang="en-US" smtClean="0"/>
-              <a:t>21</a:t>
+              <a:t>20</a:t>
             </a:fld>
             <a:endParaRPr lang="en-US"/>
           </a:p>
@@ -1354,7 +1379,7 @@
     </p:spTree>
     <p:extLst>
       <p:ext uri="{BB962C8B-B14F-4D97-AF65-F5344CB8AC3E}">
-        <p14:creationId xmlns:p14="http://schemas.microsoft.com/office/powerpoint/2010/main" val="2113469024"/>
+        <p14:creationId xmlns:p14="http://schemas.microsoft.com/office/powerpoint/2010/main" val="172620469"/>
       </p:ext>
     </p:extLst>
   </p:cSld>
@@ -1408,32 +1433,15 @@
           <a:bodyPr/>
           <a:lstStyle/>
           <a:p>
-            <a:pPr marL="0" marR="0" indent="0" algn="l" defTabSz="914400" rtl="0" eaLnBrk="1" fontAlgn="auto" latinLnBrk="0" hangingPunct="1">
-              <a:lnSpc>
-                <a:spcPct val="100000"/>
-              </a:lnSpc>
-              <a:spcBef>
-                <a:spcPts val="0"/>
-              </a:spcBef>
-              <a:spcAft>
-                <a:spcPts val="0"/>
-              </a:spcAft>
-              <a:buClrTx/>
-              <a:buSzTx/>
-              <a:buFontTx/>
-              <a:buNone/>
-              <a:tabLst/>
-              <a:defRPr/>
-            </a:pPr>
             <a:r>
               <a:rPr lang="en-US" dirty="0" smtClean="0"/>
-              <a:t>A natural follow-up question is, what is an object</a:t>
+              <a:t>Python does not have</a:t>
             </a:r>
             <a:r>
               <a:rPr lang="en-US" baseline="0" dirty="0" smtClean="0"/>
-              <a:t>?</a:t>
-            </a:r>
-            <a:endParaRPr lang="en-US" dirty="0" smtClean="0"/>
+              <a:t> a built-in cat type, so I made my own!</a:t>
+            </a:r>
+            <a:endParaRPr lang="en-US" dirty="0"/>
           </a:p>
         </p:txBody>
       </p:sp>
@@ -1454,7 +1462,7 @@
           <a:p>
             <a:fld id="{A2A96CE4-4593-BD4E-ACFD-4AA346581587}" type="slidenum">
               <a:rPr lang="en-US" smtClean="0"/>
-              <a:t>22</a:t>
+              <a:t>21</a:t>
             </a:fld>
             <a:endParaRPr lang="en-US"/>
           </a:p>
@@ -1463,7 +1471,7 @@
     </p:spTree>
     <p:extLst>
       <p:ext uri="{BB962C8B-B14F-4D97-AF65-F5344CB8AC3E}">
-        <p14:creationId xmlns:p14="http://schemas.microsoft.com/office/powerpoint/2010/main" val="408178555"/>
+        <p14:creationId xmlns:p14="http://schemas.microsoft.com/office/powerpoint/2010/main" val="2113469024"/>
       </p:ext>
     </p:extLst>
   </p:cSld>
@@ -1536,11 +1544,15 @@
             </a:pPr>
             <a:r>
               <a:rPr lang="en-US" dirty="0" smtClean="0"/>
-              <a:t>A natural follow-up question is, what is an object</a:t>
-            </a:r>
-            <a:r>
-              <a:rPr lang="en-US" baseline="0" dirty="0" smtClean="0"/>
-              <a:t>?</a:t>
+              <a:t>So recall our previous </a:t>
+            </a:r>
+            <a:r>
+              <a:rPr lang="en-US" dirty="0" err="1" smtClean="0"/>
+              <a:t>definiton</a:t>
+            </a:r>
+            <a:r>
+              <a:rPr lang="en-US" dirty="0" smtClean="0"/>
+              <a:t>:</a:t>
             </a:r>
             <a:endParaRPr lang="en-US" dirty="0" smtClean="0"/>
           </a:p>
@@ -1563,7 +1575,7 @@
           <a:p>
             <a:fld id="{A2A96CE4-4593-BD4E-ACFD-4AA346581587}" type="slidenum">
               <a:rPr lang="en-US" smtClean="0"/>
-              <a:t>23</a:t>
+              <a:t>22</a:t>
             </a:fld>
             <a:endParaRPr lang="en-US"/>
           </a:p>
@@ -1572,7 +1584,7 @@
     </p:spTree>
     <p:extLst>
       <p:ext uri="{BB962C8B-B14F-4D97-AF65-F5344CB8AC3E}">
-        <p14:creationId xmlns:p14="http://schemas.microsoft.com/office/powerpoint/2010/main" val="1586782268"/>
+        <p14:creationId xmlns:p14="http://schemas.microsoft.com/office/powerpoint/2010/main" val="408178555"/>
       </p:ext>
     </p:extLst>
   </p:cSld>
@@ -1626,32 +1638,10 @@
           <a:bodyPr/>
           <a:lstStyle/>
           <a:p>
-            <a:pPr marL="0" marR="0" indent="0" algn="l" defTabSz="914400" rtl="0" eaLnBrk="1" fontAlgn="auto" latinLnBrk="0" hangingPunct="1">
-              <a:lnSpc>
-                <a:spcPct val="100000"/>
-              </a:lnSpc>
-              <a:spcBef>
-                <a:spcPts val="0"/>
-              </a:spcBef>
-              <a:spcAft>
-                <a:spcPts val="0"/>
-              </a:spcAft>
-              <a:buClrTx/>
-              <a:buSzTx/>
-              <a:buFontTx/>
-              <a:buNone/>
-              <a:tabLst/>
-              <a:defRPr/>
-            </a:pPr>
             <a:r>
               <a:rPr lang="en-US" dirty="0" smtClean="0"/>
-              <a:t>It’s</a:t>
-            </a:r>
-            <a:r>
-              <a:rPr lang="en-US" baseline="0" dirty="0" smtClean="0"/>
-              <a:t> an abstract idea in computer science.</a:t>
-            </a:r>
-            <a:endParaRPr lang="en-US" dirty="0" smtClean="0"/>
+              <a:t>What is a class? </a:t>
+            </a:r>
           </a:p>
         </p:txBody>
       </p:sp>
@@ -1672,7 +1662,7 @@
           <a:p>
             <a:fld id="{A2A96CE4-4593-BD4E-ACFD-4AA346581587}" type="slidenum">
               <a:rPr lang="en-US" smtClean="0"/>
-              <a:t>4</a:t>
+              <a:t>3</a:t>
             </a:fld>
             <a:endParaRPr lang="en-US"/>
           </a:p>
@@ -1681,7 +1671,7 @@
     </p:spTree>
     <p:extLst>
       <p:ext uri="{BB962C8B-B14F-4D97-AF65-F5344CB8AC3E}">
-        <p14:creationId xmlns:p14="http://schemas.microsoft.com/office/powerpoint/2010/main" val="1918338735"/>
+        <p14:creationId xmlns:p14="http://schemas.microsoft.com/office/powerpoint/2010/main" val="261201853"/>
       </p:ext>
     </p:extLst>
   </p:cSld>
@@ -1754,11 +1744,11 @@
             </a:pPr>
             <a:r>
               <a:rPr lang="en-US" dirty="0" smtClean="0"/>
-              <a:t>A natural follow-up question is, what is an object</a:t>
+              <a:t>We</a:t>
             </a:r>
             <a:r>
               <a:rPr lang="en-US" baseline="0" dirty="0" smtClean="0"/>
-              <a:t>?</a:t>
+              <a:t> can actually expand on this</a:t>
             </a:r>
             <a:endParaRPr lang="en-US" dirty="0" smtClean="0"/>
           </a:p>
@@ -1781,7 +1771,7 @@
           <a:p>
             <a:fld id="{A2A96CE4-4593-BD4E-ACFD-4AA346581587}" type="slidenum">
               <a:rPr lang="en-US" smtClean="0"/>
-              <a:t>24</a:t>
+              <a:t>23</a:t>
             </a:fld>
             <a:endParaRPr lang="en-US"/>
           </a:p>
@@ -1790,7 +1780,7 @@
     </p:spTree>
     <p:extLst>
       <p:ext uri="{BB962C8B-B14F-4D97-AF65-F5344CB8AC3E}">
-        <p14:creationId xmlns:p14="http://schemas.microsoft.com/office/powerpoint/2010/main" val="1142887878"/>
+        <p14:creationId xmlns:p14="http://schemas.microsoft.com/office/powerpoint/2010/main" val="1586782268"/>
       </p:ext>
     </p:extLst>
   </p:cSld>
@@ -1844,11 +1834,32 @@
           <a:bodyPr/>
           <a:lstStyle/>
           <a:p>
+            <a:pPr marL="0" marR="0" indent="0" algn="l" defTabSz="914400" rtl="0" eaLnBrk="1" fontAlgn="auto" latinLnBrk="0" hangingPunct="1">
+              <a:lnSpc>
+                <a:spcPct val="100000"/>
+              </a:lnSpc>
+              <a:spcBef>
+                <a:spcPts val="0"/>
+              </a:spcBef>
+              <a:spcAft>
+                <a:spcPts val="0"/>
+              </a:spcAft>
+              <a:buClrTx/>
+              <a:buSzTx/>
+              <a:buFontTx/>
+              <a:buNone/>
+              <a:tabLst/>
+              <a:defRPr/>
+            </a:pPr>
             <a:r>
               <a:rPr lang="en-US" dirty="0" smtClean="0"/>
-              <a:t>So why do we care?</a:t>
-            </a:r>
-            <a:endParaRPr lang="en-US" dirty="0"/>
+              <a:t>A natural follow-up question is, what is an object</a:t>
+            </a:r>
+            <a:r>
+              <a:rPr lang="en-US" baseline="0" dirty="0" smtClean="0"/>
+              <a:t>?</a:t>
+            </a:r>
+            <a:endParaRPr lang="en-US" dirty="0" smtClean="0"/>
           </a:p>
         </p:txBody>
       </p:sp>
@@ -1869,7 +1880,7 @@
           <a:p>
             <a:fld id="{A2A96CE4-4593-BD4E-ACFD-4AA346581587}" type="slidenum">
               <a:rPr lang="en-US" smtClean="0"/>
-              <a:t>25</a:t>
+              <a:t>24</a:t>
             </a:fld>
             <a:endParaRPr lang="en-US"/>
           </a:p>
@@ -1878,7 +1889,7 @@
     </p:spTree>
     <p:extLst>
       <p:ext uri="{BB962C8B-B14F-4D97-AF65-F5344CB8AC3E}">
-        <p14:creationId xmlns:p14="http://schemas.microsoft.com/office/powerpoint/2010/main" val="1474432975"/>
+        <p14:creationId xmlns:p14="http://schemas.microsoft.com/office/powerpoint/2010/main" val="1142887878"/>
       </p:ext>
     </p:extLst>
   </p:cSld>
@@ -1932,6 +1943,10 @@
           <a:bodyPr/>
           <a:lstStyle/>
           <a:p>
+            <a:r>
+              <a:rPr lang="en-US" dirty="0" smtClean="0"/>
+              <a:t>So why do we care?</a:t>
+            </a:r>
             <a:endParaRPr lang="en-US" dirty="0"/>
           </a:p>
         </p:txBody>
@@ -1953,7 +1968,7 @@
           <a:p>
             <a:fld id="{A2A96CE4-4593-BD4E-ACFD-4AA346581587}" type="slidenum">
               <a:rPr lang="en-US" smtClean="0"/>
-              <a:t>29</a:t>
+              <a:t>25</a:t>
             </a:fld>
             <a:endParaRPr lang="en-US"/>
           </a:p>
@@ -1962,7 +1977,7 @@
     </p:spTree>
     <p:extLst>
       <p:ext uri="{BB962C8B-B14F-4D97-AF65-F5344CB8AC3E}">
-        <p14:creationId xmlns:p14="http://schemas.microsoft.com/office/powerpoint/2010/main" val="1875494209"/>
+        <p14:creationId xmlns:p14="http://schemas.microsoft.com/office/powerpoint/2010/main" val="1474432975"/>
       </p:ext>
     </p:extLst>
   </p:cSld>
@@ -2016,7 +2031,7 @@
           <a:bodyPr/>
           <a:lstStyle/>
           <a:p>
-            <a:endParaRPr lang="en-US"/>
+            <a:endParaRPr lang="en-US" dirty="0"/>
           </a:p>
         </p:txBody>
       </p:sp>
@@ -2037,7 +2052,7 @@
           <a:p>
             <a:fld id="{A2A96CE4-4593-BD4E-ACFD-4AA346581587}" type="slidenum">
               <a:rPr lang="en-US" smtClean="0"/>
-              <a:t>30</a:t>
+              <a:t>29</a:t>
             </a:fld>
             <a:endParaRPr lang="en-US"/>
           </a:p>
@@ -2046,7 +2061,7 @@
     </p:spTree>
     <p:extLst>
       <p:ext uri="{BB962C8B-B14F-4D97-AF65-F5344CB8AC3E}">
-        <p14:creationId xmlns:p14="http://schemas.microsoft.com/office/powerpoint/2010/main" val="142515575"/>
+        <p14:creationId xmlns:p14="http://schemas.microsoft.com/office/powerpoint/2010/main" val="1875494209"/>
       </p:ext>
     </p:extLst>
   </p:cSld>
@@ -2121,7 +2136,7 @@
           <a:p>
             <a:fld id="{A2A96CE4-4593-BD4E-ACFD-4AA346581587}" type="slidenum">
               <a:rPr lang="en-US" smtClean="0"/>
-              <a:t>31</a:t>
+              <a:t>30</a:t>
             </a:fld>
             <a:endParaRPr lang="en-US"/>
           </a:p>
@@ -2130,7 +2145,7 @@
     </p:spTree>
     <p:extLst>
       <p:ext uri="{BB962C8B-B14F-4D97-AF65-F5344CB8AC3E}">
-        <p14:creationId xmlns:p14="http://schemas.microsoft.com/office/powerpoint/2010/main" val="187178707"/>
+        <p14:creationId xmlns:p14="http://schemas.microsoft.com/office/powerpoint/2010/main" val="142515575"/>
       </p:ext>
     </p:extLst>
   </p:cSld>
@@ -2184,15 +2199,7 @@
           <a:bodyPr/>
           <a:lstStyle/>
           <a:p>
-            <a:r>
-              <a:rPr lang="en-US" dirty="0" smtClean="0"/>
-              <a:t>Here’s the import</a:t>
-            </a:r>
-            <a:r>
-              <a:rPr lang="en-US" baseline="0" dirty="0" smtClean="0"/>
-              <a:t>ant stuff: All of the methods and attributes attached to the cat class are inside the class.</a:t>
-            </a:r>
-            <a:endParaRPr lang="en-US" dirty="0"/>
+            <a:endParaRPr lang="en-US"/>
           </a:p>
         </p:txBody>
       </p:sp>
@@ -2213,7 +2220,7 @@
           <a:p>
             <a:fld id="{A2A96CE4-4593-BD4E-ACFD-4AA346581587}" type="slidenum">
               <a:rPr lang="en-US" smtClean="0"/>
-              <a:t>32</a:t>
+              <a:t>31</a:t>
             </a:fld>
             <a:endParaRPr lang="en-US"/>
           </a:p>
@@ -2222,7 +2229,7 @@
     </p:spTree>
     <p:extLst>
       <p:ext uri="{BB962C8B-B14F-4D97-AF65-F5344CB8AC3E}">
-        <p14:creationId xmlns:p14="http://schemas.microsoft.com/office/powerpoint/2010/main" val="1717197725"/>
+        <p14:creationId xmlns:p14="http://schemas.microsoft.com/office/powerpoint/2010/main" val="187178707"/>
       </p:ext>
     </p:extLst>
   </p:cSld>
@@ -2278,30 +2285,12 @@
           <a:p>
             <a:r>
               <a:rPr lang="en-US" dirty="0" smtClean="0"/>
-              <a:t>Say</a:t>
+              <a:t>Here’s the import</a:t>
             </a:r>
             <a:r>
               <a:rPr lang="en-US" baseline="0" dirty="0" smtClean="0"/>
-              <a:t> we didn’t have classes, what would we do? Well, we could use a dictionary to keep the variables associated with the cat together</a:t>
-            </a:r>
-            <a:r>
-              <a:rPr lang="mr-IN" baseline="0" dirty="0" smtClean="0"/>
-              <a:t>…</a:t>
-            </a:r>
-            <a:r>
-              <a:rPr lang="en-US" baseline="0" dirty="0" smtClean="0"/>
-              <a:t> And then we would have a bunch of functions</a:t>
-            </a:r>
-            <a:r>
-              <a:rPr lang="mr-IN" baseline="0" dirty="0" smtClean="0"/>
-              <a:t>…</a:t>
-            </a:r>
-            <a:endParaRPr lang="en-US" baseline="0" dirty="0" smtClean="0"/>
-          </a:p>
-          <a:p>
-            <a:endParaRPr lang="en-US" baseline="0" dirty="0" smtClean="0"/>
-          </a:p>
-          <a:p>
+              <a:t>ant stuff: All of the methods and attributes attached to the cat class are inside the class.</a:t>
+            </a:r>
             <a:endParaRPr lang="en-US" dirty="0"/>
           </a:p>
         </p:txBody>
@@ -2323,7 +2312,7 @@
           <a:p>
             <a:fld id="{A2A96CE4-4593-BD4E-ACFD-4AA346581587}" type="slidenum">
               <a:rPr lang="en-US" smtClean="0"/>
-              <a:t>33</a:t>
+              <a:t>32</a:t>
             </a:fld>
             <a:endParaRPr lang="en-US"/>
           </a:p>
@@ -2332,7 +2321,7 @@
     </p:spTree>
     <p:extLst>
       <p:ext uri="{BB962C8B-B14F-4D97-AF65-F5344CB8AC3E}">
-        <p14:creationId xmlns:p14="http://schemas.microsoft.com/office/powerpoint/2010/main" val="361225914"/>
+        <p14:creationId xmlns:p14="http://schemas.microsoft.com/office/powerpoint/2010/main" val="1717197725"/>
       </p:ext>
     </p:extLst>
   </p:cSld>
@@ -2388,12 +2377,30 @@
           <a:p>
             <a:r>
               <a:rPr lang="en-US" dirty="0" smtClean="0"/>
-              <a:t>We’ll probably cat in the name, to distinguish</a:t>
+              <a:t>Say</a:t>
             </a:r>
             <a:r>
               <a:rPr lang="en-US" baseline="0" dirty="0" smtClean="0"/>
-              <a:t> it from “dog eat”, “human eat”, etc.</a:t>
-            </a:r>
+              <a:t> we didn’t have classes, what would we do? Well, we could use a dictionary to keep the variables associated with the cat together</a:t>
+            </a:r>
+            <a:r>
+              <a:rPr lang="mr-IN" baseline="0" dirty="0" smtClean="0"/>
+              <a:t>…</a:t>
+            </a:r>
+            <a:r>
+              <a:rPr lang="en-US" baseline="0" dirty="0" smtClean="0"/>
+              <a:t> And then we would have a bunch of functions</a:t>
+            </a:r>
+            <a:r>
+              <a:rPr lang="mr-IN" baseline="0" dirty="0" smtClean="0"/>
+              <a:t>…</a:t>
+            </a:r>
+            <a:endParaRPr lang="en-US" baseline="0" dirty="0" smtClean="0"/>
+          </a:p>
+          <a:p>
+            <a:endParaRPr lang="en-US" baseline="0" dirty="0" smtClean="0"/>
+          </a:p>
+          <a:p>
             <a:endParaRPr lang="en-US" dirty="0"/>
           </a:p>
         </p:txBody>
@@ -2415,7 +2422,7 @@
           <a:p>
             <a:fld id="{A2A96CE4-4593-BD4E-ACFD-4AA346581587}" type="slidenum">
               <a:rPr lang="en-US" smtClean="0"/>
-              <a:t>34</a:t>
+              <a:t>33</a:t>
             </a:fld>
             <a:endParaRPr lang="en-US"/>
           </a:p>
@@ -2424,7 +2431,7 @@
     </p:spTree>
     <p:extLst>
       <p:ext uri="{BB962C8B-B14F-4D97-AF65-F5344CB8AC3E}">
-        <p14:creationId xmlns:p14="http://schemas.microsoft.com/office/powerpoint/2010/main" val="249824114"/>
+        <p14:creationId xmlns:p14="http://schemas.microsoft.com/office/powerpoint/2010/main" val="361225914"/>
       </p:ext>
     </p:extLst>
   </p:cSld>
@@ -2480,11 +2487,11 @@
           <a:p>
             <a:r>
               <a:rPr lang="en-US" dirty="0" smtClean="0"/>
-              <a:t>And</a:t>
+              <a:t>We’ll probably cat in the name, to distinguish</a:t>
             </a:r>
             <a:r>
               <a:rPr lang="en-US" baseline="0" dirty="0" smtClean="0"/>
-              <a:t> If I’m always passing all these inputs into the function, shouldn’t I just make the input implicit?</a:t>
+              <a:t> it from “dog eat”, “human eat”, etc.</a:t>
             </a:r>
             <a:endParaRPr lang="en-US" dirty="0"/>
           </a:p>
@@ -2507,7 +2514,7 @@
           <a:p>
             <a:fld id="{A2A96CE4-4593-BD4E-ACFD-4AA346581587}" type="slidenum">
               <a:rPr lang="en-US" smtClean="0"/>
-              <a:t>35</a:t>
+              <a:t>34</a:t>
             </a:fld>
             <a:endParaRPr lang="en-US"/>
           </a:p>
@@ -2516,7 +2523,7 @@
     </p:spTree>
     <p:extLst>
       <p:ext uri="{BB962C8B-B14F-4D97-AF65-F5344CB8AC3E}">
-        <p14:creationId xmlns:p14="http://schemas.microsoft.com/office/powerpoint/2010/main" val="23313098"/>
+        <p14:creationId xmlns:p14="http://schemas.microsoft.com/office/powerpoint/2010/main" val="249824114"/>
       </p:ext>
     </p:extLst>
   </p:cSld>
@@ -2572,21 +2579,13 @@
           <a:p>
             <a:r>
               <a:rPr lang="en-US" dirty="0" smtClean="0"/>
-              <a:t>And I can’t really change the dictionary</a:t>
+              <a:t>And</a:t>
             </a:r>
             <a:r>
               <a:rPr lang="en-US" baseline="0" dirty="0" smtClean="0"/>
-              <a:t> values in the function. I have to make a new dictionary, return that one and overwrite the old one.</a:t>
-            </a:r>
-          </a:p>
-          <a:p>
-            <a:endParaRPr lang="en-US" baseline="0" dirty="0" smtClean="0"/>
-          </a:p>
-          <a:p>
-            <a:r>
-              <a:rPr lang="en-US" baseline="0" dirty="0" smtClean="0"/>
-              <a:t>It’s a little bit awkward to have to rebuild the whole cat every single time I want to change something in a function.</a:t>
-            </a:r>
+              <a:t> If I’m always passing all these inputs into the function, shouldn’t I just make the input implicit?</a:t>
+            </a:r>
+            <a:endParaRPr lang="en-US" dirty="0"/>
           </a:p>
         </p:txBody>
       </p:sp>
@@ -2607,7 +2606,7 @@
           <a:p>
             <a:fld id="{A2A96CE4-4593-BD4E-ACFD-4AA346581587}" type="slidenum">
               <a:rPr lang="en-US" smtClean="0"/>
-              <a:t>36</a:t>
+              <a:t>35</a:t>
             </a:fld>
             <a:endParaRPr lang="en-US"/>
           </a:p>
@@ -2616,7 +2615,7 @@
     </p:spTree>
     <p:extLst>
       <p:ext uri="{BB962C8B-B14F-4D97-AF65-F5344CB8AC3E}">
-        <p14:creationId xmlns:p14="http://schemas.microsoft.com/office/powerpoint/2010/main" val="1046426360"/>
+        <p14:creationId xmlns:p14="http://schemas.microsoft.com/office/powerpoint/2010/main" val="23313098"/>
       </p:ext>
     </p:extLst>
   </p:cSld>
@@ -2689,11 +2688,11 @@
             </a:pPr>
             <a:r>
               <a:rPr lang="en-US" dirty="0" smtClean="0"/>
-              <a:t>The</a:t>
+              <a:t>It’s</a:t>
             </a:r>
             <a:r>
               <a:rPr lang="en-US" baseline="0" dirty="0" smtClean="0"/>
-              <a:t> simplest definition of a class, is that it’s an object creator</a:t>
+              <a:t> an abstract idea in computer science.</a:t>
             </a:r>
             <a:endParaRPr lang="en-US" dirty="0" smtClean="0"/>
           </a:p>
@@ -2716,7 +2715,7 @@
           <a:p>
             <a:fld id="{A2A96CE4-4593-BD4E-ACFD-4AA346581587}" type="slidenum">
               <a:rPr lang="en-US" smtClean="0"/>
-              <a:t>5</a:t>
+              <a:t>4</a:t>
             </a:fld>
             <a:endParaRPr lang="en-US"/>
           </a:p>
@@ -2725,7 +2724,7 @@
     </p:spTree>
     <p:extLst>
       <p:ext uri="{BB962C8B-B14F-4D97-AF65-F5344CB8AC3E}">
-        <p14:creationId xmlns:p14="http://schemas.microsoft.com/office/powerpoint/2010/main" val="877542986"/>
+        <p14:creationId xmlns:p14="http://schemas.microsoft.com/office/powerpoint/2010/main" val="1918338735"/>
       </p:ext>
     </p:extLst>
   </p:cSld>
@@ -2781,13 +2780,21 @@
           <a:p>
             <a:r>
               <a:rPr lang="en-US" dirty="0" smtClean="0"/>
-              <a:t>So let’s return to the class and try</a:t>
+              <a:t>And I can’t really change the dictionary</a:t>
             </a:r>
             <a:r>
               <a:rPr lang="en-US" baseline="0" dirty="0" smtClean="0"/>
-              <a:t> to understand what this is saying here.</a:t>
-            </a:r>
-            <a:endParaRPr lang="en-US" dirty="0"/>
+              <a:t> values in the function. I have to make a new dictionary, return that one and overwrite the old one.</a:t>
+            </a:r>
+          </a:p>
+          <a:p>
+            <a:endParaRPr lang="en-US" baseline="0" dirty="0" smtClean="0"/>
+          </a:p>
+          <a:p>
+            <a:r>
+              <a:rPr lang="en-US" baseline="0" dirty="0" smtClean="0"/>
+              <a:t>It’s a little bit awkward to have to rebuild the whole cat every single time I want to change something in a function.</a:t>
+            </a:r>
           </a:p>
         </p:txBody>
       </p:sp>
@@ -2808,7 +2815,7 @@
           <a:p>
             <a:fld id="{A2A96CE4-4593-BD4E-ACFD-4AA346581587}" type="slidenum">
               <a:rPr lang="en-US" smtClean="0"/>
-              <a:t>37</a:t>
+              <a:t>36</a:t>
             </a:fld>
             <a:endParaRPr lang="en-US"/>
           </a:p>
@@ -2817,7 +2824,7 @@
     </p:spTree>
     <p:extLst>
       <p:ext uri="{BB962C8B-B14F-4D97-AF65-F5344CB8AC3E}">
-        <p14:creationId xmlns:p14="http://schemas.microsoft.com/office/powerpoint/2010/main" val="1615164976"/>
+        <p14:creationId xmlns:p14="http://schemas.microsoft.com/office/powerpoint/2010/main" val="1046426360"/>
       </p:ext>
     </p:extLst>
   </p:cSld>
@@ -2871,6 +2878,14 @@
           <a:bodyPr/>
           <a:lstStyle/>
           <a:p>
+            <a:r>
+              <a:rPr lang="en-US" dirty="0" smtClean="0"/>
+              <a:t>So let’s return to the class and try</a:t>
+            </a:r>
+            <a:r>
+              <a:rPr lang="en-US" baseline="0" dirty="0" smtClean="0"/>
+              <a:t> to understand what this is saying here.</a:t>
+            </a:r>
             <a:endParaRPr lang="en-US" dirty="0"/>
           </a:p>
         </p:txBody>
@@ -2892,7 +2907,7 @@
           <a:p>
             <a:fld id="{A2A96CE4-4593-BD4E-ACFD-4AA346581587}" type="slidenum">
               <a:rPr lang="en-US" smtClean="0"/>
-              <a:t>38</a:t>
+              <a:t>37</a:t>
             </a:fld>
             <a:endParaRPr lang="en-US"/>
           </a:p>
@@ -2901,7 +2916,7 @@
     </p:spTree>
     <p:extLst>
       <p:ext uri="{BB962C8B-B14F-4D97-AF65-F5344CB8AC3E}">
-        <p14:creationId xmlns:p14="http://schemas.microsoft.com/office/powerpoint/2010/main" val="2051818590"/>
+        <p14:creationId xmlns:p14="http://schemas.microsoft.com/office/powerpoint/2010/main" val="1615164976"/>
       </p:ext>
     </p:extLst>
   </p:cSld>
@@ -2955,6 +2970,306 @@
           <a:bodyPr/>
           <a:lstStyle/>
           <a:p>
+            <a:r>
+              <a:rPr lang="en-US" dirty="0" smtClean="0"/>
+              <a:t>What does the double underscore mean?</a:t>
+            </a:r>
+            <a:endParaRPr lang="en-US" dirty="0"/>
+          </a:p>
+        </p:txBody>
+      </p:sp>
+      <p:sp>
+        <p:nvSpPr>
+          <p:cNvPr id="4" name="Slide Number Placeholder 3"/>
+          <p:cNvSpPr>
+            <a:spLocks noGrp="1"/>
+          </p:cNvSpPr>
+          <p:nvPr>
+            <p:ph type="sldNum" sz="quarter" idx="10"/>
+          </p:nvPr>
+        </p:nvSpPr>
+        <p:spPr/>
+        <p:txBody>
+          <a:bodyPr/>
+          <a:lstStyle/>
+          <a:p>
+            <a:fld id="{A2A96CE4-4593-BD4E-ACFD-4AA346581587}" type="slidenum">
+              <a:rPr lang="en-US" smtClean="0"/>
+              <a:t>38</a:t>
+            </a:fld>
+            <a:endParaRPr lang="en-US"/>
+          </a:p>
+        </p:txBody>
+      </p:sp>
+    </p:spTree>
+    <p:extLst>
+      <p:ext uri="{BB962C8B-B14F-4D97-AF65-F5344CB8AC3E}">
+        <p14:creationId xmlns:p14="http://schemas.microsoft.com/office/powerpoint/2010/main" val="2051818590"/>
+      </p:ext>
+    </p:extLst>
+  </p:cSld>
+  <p:clrMapOvr>
+    <a:masterClrMapping/>
+  </p:clrMapOvr>
+</p:notes>
+</file>
+
+<file path=ppt/notesSlides/notesSlide33.xml><?xml version="1.0" encoding="utf-8"?>
+<p:notes xmlns:a="http://schemas.openxmlformats.org/drawingml/2006/main" xmlns:r="http://schemas.openxmlformats.org/officeDocument/2006/relationships" xmlns:p="http://schemas.openxmlformats.org/presentationml/2006/main">
+  <p:cSld>
+    <p:spTree>
+      <p:nvGrpSpPr>
+        <p:cNvPr id="1" name=""/>
+        <p:cNvGrpSpPr/>
+        <p:nvPr/>
+      </p:nvGrpSpPr>
+      <p:grpSpPr>
+        <a:xfrm>
+          <a:off x="0" y="0"/>
+          <a:ext cx="0" cy="0"/>
+          <a:chOff x="0" y="0"/>
+          <a:chExt cx="0" cy="0"/>
+        </a:xfrm>
+      </p:grpSpPr>
+      <p:sp>
+        <p:nvSpPr>
+          <p:cNvPr id="2" name="Slide Image Placeholder 1"/>
+          <p:cNvSpPr>
+            <a:spLocks noGrp="1" noRot="1" noChangeAspect="1"/>
+          </p:cNvSpPr>
+          <p:nvPr>
+            <p:ph type="sldImg"/>
+          </p:nvPr>
+        </p:nvSpPr>
+        <p:spPr/>
+      </p:sp>
+      <p:sp>
+        <p:nvSpPr>
+          <p:cNvPr id="3" name="Notes Placeholder 2"/>
+          <p:cNvSpPr>
+            <a:spLocks noGrp="1"/>
+          </p:cNvSpPr>
+          <p:nvPr>
+            <p:ph type="body" idx="1"/>
+          </p:nvPr>
+        </p:nvSpPr>
+        <p:spPr/>
+        <p:txBody>
+          <a:bodyPr/>
+          <a:lstStyle/>
+          <a:p>
+            <a:endParaRPr lang="en-US" dirty="0"/>
+          </a:p>
+        </p:txBody>
+      </p:sp>
+      <p:sp>
+        <p:nvSpPr>
+          <p:cNvPr id="4" name="Slide Number Placeholder 3"/>
+          <p:cNvSpPr>
+            <a:spLocks noGrp="1"/>
+          </p:cNvSpPr>
+          <p:nvPr>
+            <p:ph type="sldNum" sz="quarter" idx="10"/>
+          </p:nvPr>
+        </p:nvSpPr>
+        <p:spPr/>
+        <p:txBody>
+          <a:bodyPr/>
+          <a:lstStyle/>
+          <a:p>
+            <a:fld id="{A2A96CE4-4593-BD4E-ACFD-4AA346581587}" type="slidenum">
+              <a:rPr lang="en-US" smtClean="0"/>
+              <a:t>39</a:t>
+            </a:fld>
+            <a:endParaRPr lang="en-US"/>
+          </a:p>
+        </p:txBody>
+      </p:sp>
+    </p:spTree>
+    <p:extLst>
+      <p:ext uri="{BB962C8B-B14F-4D97-AF65-F5344CB8AC3E}">
+        <p14:creationId xmlns:p14="http://schemas.microsoft.com/office/powerpoint/2010/main" val="2098491576"/>
+      </p:ext>
+    </p:extLst>
+  </p:cSld>
+  <p:clrMapOvr>
+    <a:masterClrMapping/>
+  </p:clrMapOvr>
+</p:notes>
+</file>
+
+<file path=ppt/notesSlides/notesSlide34.xml><?xml version="1.0" encoding="utf-8"?>
+<p:notes xmlns:a="http://schemas.openxmlformats.org/drawingml/2006/main" xmlns:r="http://schemas.openxmlformats.org/officeDocument/2006/relationships" xmlns:p="http://schemas.openxmlformats.org/presentationml/2006/main">
+  <p:cSld>
+    <p:spTree>
+      <p:nvGrpSpPr>
+        <p:cNvPr id="1" name=""/>
+        <p:cNvGrpSpPr/>
+        <p:nvPr/>
+      </p:nvGrpSpPr>
+      <p:grpSpPr>
+        <a:xfrm>
+          <a:off x="0" y="0"/>
+          <a:ext cx="0" cy="0"/>
+          <a:chOff x="0" y="0"/>
+          <a:chExt cx="0" cy="0"/>
+        </a:xfrm>
+      </p:grpSpPr>
+      <p:sp>
+        <p:nvSpPr>
+          <p:cNvPr id="2" name="Slide Image Placeholder 1"/>
+          <p:cNvSpPr>
+            <a:spLocks noGrp="1" noRot="1" noChangeAspect="1"/>
+          </p:cNvSpPr>
+          <p:nvPr>
+            <p:ph type="sldImg"/>
+          </p:nvPr>
+        </p:nvSpPr>
+        <p:spPr/>
+      </p:sp>
+      <p:sp>
+        <p:nvSpPr>
+          <p:cNvPr id="3" name="Notes Placeholder 2"/>
+          <p:cNvSpPr>
+            <a:spLocks noGrp="1"/>
+          </p:cNvSpPr>
+          <p:nvPr>
+            <p:ph type="body" idx="1"/>
+          </p:nvPr>
+        </p:nvSpPr>
+        <p:spPr/>
+        <p:txBody>
+          <a:bodyPr/>
+          <a:lstStyle/>
+          <a:p>
+            <a:pPr marL="0" marR="0" indent="0" algn="l" defTabSz="914400" rtl="0" eaLnBrk="1" fontAlgn="auto" latinLnBrk="0" hangingPunct="1">
+              <a:lnSpc>
+                <a:spcPct val="100000"/>
+              </a:lnSpc>
+              <a:spcBef>
+                <a:spcPts val="0"/>
+              </a:spcBef>
+              <a:spcAft>
+                <a:spcPts val="0"/>
+              </a:spcAft>
+              <a:buClrTx/>
+              <a:buSzTx/>
+              <a:buFontTx/>
+              <a:buNone/>
+              <a:tabLst/>
+              <a:defRPr/>
+            </a:pPr>
+            <a:r>
+              <a:rPr lang="en-US" dirty="0" smtClean="0"/>
+              <a:t>https://</a:t>
+            </a:r>
+            <a:r>
+              <a:rPr lang="en-US" dirty="0" err="1" smtClean="0"/>
+              <a:t>docs.python.org</a:t>
+            </a:r>
+            <a:r>
+              <a:rPr lang="en-US" dirty="0" smtClean="0"/>
+              <a:t>/3/reference/</a:t>
+            </a:r>
+            <a:r>
+              <a:rPr lang="en-US" dirty="0" err="1" smtClean="0"/>
+              <a:t>datamodel.html</a:t>
+            </a:r>
+            <a:endParaRPr lang="en-US" dirty="0" smtClean="0"/>
+          </a:p>
+          <a:p>
+            <a:endParaRPr lang="en-US" dirty="0"/>
+          </a:p>
+        </p:txBody>
+      </p:sp>
+      <p:sp>
+        <p:nvSpPr>
+          <p:cNvPr id="4" name="Slide Number Placeholder 3"/>
+          <p:cNvSpPr>
+            <a:spLocks noGrp="1"/>
+          </p:cNvSpPr>
+          <p:nvPr>
+            <p:ph type="sldNum" sz="quarter" idx="10"/>
+          </p:nvPr>
+        </p:nvSpPr>
+        <p:spPr/>
+        <p:txBody>
+          <a:bodyPr/>
+          <a:lstStyle/>
+          <a:p>
+            <a:fld id="{A2A96CE4-4593-BD4E-ACFD-4AA346581587}" type="slidenum">
+              <a:rPr lang="en-US" smtClean="0"/>
+              <a:t>40</a:t>
+            </a:fld>
+            <a:endParaRPr lang="en-US"/>
+          </a:p>
+        </p:txBody>
+      </p:sp>
+    </p:spTree>
+    <p:extLst>
+      <p:ext uri="{BB962C8B-B14F-4D97-AF65-F5344CB8AC3E}">
+        <p14:creationId xmlns:p14="http://schemas.microsoft.com/office/powerpoint/2010/main" val="874118307"/>
+      </p:ext>
+    </p:extLst>
+  </p:cSld>
+  <p:clrMapOvr>
+    <a:masterClrMapping/>
+  </p:clrMapOvr>
+</p:notes>
+</file>
+
+<file path=ppt/notesSlides/notesSlide35.xml><?xml version="1.0" encoding="utf-8"?>
+<p:notes xmlns:a="http://schemas.openxmlformats.org/drawingml/2006/main" xmlns:r="http://schemas.openxmlformats.org/officeDocument/2006/relationships" xmlns:p="http://schemas.openxmlformats.org/presentationml/2006/main">
+  <p:cSld>
+    <p:spTree>
+      <p:nvGrpSpPr>
+        <p:cNvPr id="1" name=""/>
+        <p:cNvGrpSpPr/>
+        <p:nvPr/>
+      </p:nvGrpSpPr>
+      <p:grpSpPr>
+        <a:xfrm>
+          <a:off x="0" y="0"/>
+          <a:ext cx="0" cy="0"/>
+          <a:chOff x="0" y="0"/>
+          <a:chExt cx="0" cy="0"/>
+        </a:xfrm>
+      </p:grpSpPr>
+      <p:sp>
+        <p:nvSpPr>
+          <p:cNvPr id="2" name="Slide Image Placeholder 1"/>
+          <p:cNvSpPr>
+            <a:spLocks noGrp="1" noRot="1" noChangeAspect="1"/>
+          </p:cNvSpPr>
+          <p:nvPr>
+            <p:ph type="sldImg"/>
+          </p:nvPr>
+        </p:nvSpPr>
+        <p:spPr/>
+      </p:sp>
+      <p:sp>
+        <p:nvSpPr>
+          <p:cNvPr id="3" name="Notes Placeholder 2"/>
+          <p:cNvSpPr>
+            <a:spLocks noGrp="1"/>
+          </p:cNvSpPr>
+          <p:nvPr>
+            <p:ph type="body" idx="1"/>
+          </p:nvPr>
+        </p:nvSpPr>
+        <p:spPr/>
+        <p:txBody>
+          <a:bodyPr/>
+          <a:lstStyle/>
+          <a:p>
+            <a:r>
+              <a:rPr lang="en-US" dirty="0" smtClean="0"/>
+              <a:t>Explain</a:t>
+            </a:r>
+            <a:r>
+              <a:rPr lang="en-US" baseline="0" dirty="0" smtClean="0"/>
+              <a:t> what is happening line-by-line.</a:t>
+            </a:r>
             <a:endParaRPr lang="en-US" dirty="0"/>
           </a:p>
         </p:txBody>
@@ -2986,6 +3301,299 @@
     <p:extLst>
       <p:ext uri="{BB962C8B-B14F-4D97-AF65-F5344CB8AC3E}">
         <p14:creationId xmlns:p14="http://schemas.microsoft.com/office/powerpoint/2010/main" val="770557227"/>
+      </p:ext>
+    </p:extLst>
+  </p:cSld>
+  <p:clrMapOvr>
+    <a:masterClrMapping/>
+  </p:clrMapOvr>
+</p:notes>
+</file>
+
+<file path=ppt/notesSlides/notesSlide36.xml><?xml version="1.0" encoding="utf-8"?>
+<p:notes xmlns:a="http://schemas.openxmlformats.org/drawingml/2006/main" xmlns:r="http://schemas.openxmlformats.org/officeDocument/2006/relationships" xmlns:p="http://schemas.openxmlformats.org/presentationml/2006/main">
+  <p:cSld>
+    <p:spTree>
+      <p:nvGrpSpPr>
+        <p:cNvPr id="1" name=""/>
+        <p:cNvGrpSpPr/>
+        <p:nvPr/>
+      </p:nvGrpSpPr>
+      <p:grpSpPr>
+        <a:xfrm>
+          <a:off x="0" y="0"/>
+          <a:ext cx="0" cy="0"/>
+          <a:chOff x="0" y="0"/>
+          <a:chExt cx="0" cy="0"/>
+        </a:xfrm>
+      </p:grpSpPr>
+      <p:sp>
+        <p:nvSpPr>
+          <p:cNvPr id="2" name="Slide Image Placeholder 1"/>
+          <p:cNvSpPr>
+            <a:spLocks noGrp="1" noRot="1" noChangeAspect="1"/>
+          </p:cNvSpPr>
+          <p:nvPr>
+            <p:ph type="sldImg"/>
+          </p:nvPr>
+        </p:nvSpPr>
+        <p:spPr/>
+      </p:sp>
+      <p:sp>
+        <p:nvSpPr>
+          <p:cNvPr id="3" name="Notes Placeholder 2"/>
+          <p:cNvSpPr>
+            <a:spLocks noGrp="1"/>
+          </p:cNvSpPr>
+          <p:nvPr>
+            <p:ph type="body" idx="1"/>
+          </p:nvPr>
+        </p:nvSpPr>
+        <p:spPr/>
+        <p:txBody>
+          <a:bodyPr/>
+          <a:lstStyle/>
+          <a:p>
+            <a:r>
+              <a:rPr lang="en-US" dirty="0" smtClean="0"/>
+              <a:t>Work</a:t>
+            </a:r>
+            <a:r>
+              <a:rPr lang="en-US" baseline="0" dirty="0" smtClean="0"/>
+              <a:t> down the “Classes” notebook until you hit this point</a:t>
+            </a:r>
+            <a:endParaRPr lang="en-US" dirty="0"/>
+          </a:p>
+        </p:txBody>
+      </p:sp>
+      <p:sp>
+        <p:nvSpPr>
+          <p:cNvPr id="4" name="Slide Number Placeholder 3"/>
+          <p:cNvSpPr>
+            <a:spLocks noGrp="1"/>
+          </p:cNvSpPr>
+          <p:nvPr>
+            <p:ph type="sldNum" sz="quarter" idx="10"/>
+          </p:nvPr>
+        </p:nvSpPr>
+        <p:spPr/>
+        <p:txBody>
+          <a:bodyPr/>
+          <a:lstStyle/>
+          <a:p>
+            <a:fld id="{A2A96CE4-4593-BD4E-ACFD-4AA346581587}" type="slidenum">
+              <a:rPr lang="en-US" smtClean="0"/>
+              <a:t>42</a:t>
+            </a:fld>
+            <a:endParaRPr lang="en-US"/>
+          </a:p>
+        </p:txBody>
+      </p:sp>
+    </p:spTree>
+    <p:extLst>
+      <p:ext uri="{BB962C8B-B14F-4D97-AF65-F5344CB8AC3E}">
+        <p14:creationId xmlns:p14="http://schemas.microsoft.com/office/powerpoint/2010/main" val="852789471"/>
+      </p:ext>
+    </p:extLst>
+  </p:cSld>
+  <p:clrMapOvr>
+    <a:masterClrMapping/>
+  </p:clrMapOvr>
+</p:notes>
+</file>
+
+<file path=ppt/notesSlides/notesSlide37.xml><?xml version="1.0" encoding="utf-8"?>
+<p:notes xmlns:a="http://schemas.openxmlformats.org/drawingml/2006/main" xmlns:r="http://schemas.openxmlformats.org/officeDocument/2006/relationships" xmlns:p="http://schemas.openxmlformats.org/presentationml/2006/main">
+  <p:cSld>
+    <p:spTree>
+      <p:nvGrpSpPr>
+        <p:cNvPr id="1" name=""/>
+        <p:cNvGrpSpPr/>
+        <p:nvPr/>
+      </p:nvGrpSpPr>
+      <p:grpSpPr>
+        <a:xfrm>
+          <a:off x="0" y="0"/>
+          <a:ext cx="0" cy="0"/>
+          <a:chOff x="0" y="0"/>
+          <a:chExt cx="0" cy="0"/>
+        </a:xfrm>
+      </p:grpSpPr>
+      <p:sp>
+        <p:nvSpPr>
+          <p:cNvPr id="2" name="Slide Image Placeholder 1"/>
+          <p:cNvSpPr>
+            <a:spLocks noGrp="1" noRot="1" noChangeAspect="1"/>
+          </p:cNvSpPr>
+          <p:nvPr>
+            <p:ph type="sldImg"/>
+          </p:nvPr>
+        </p:nvSpPr>
+        <p:spPr/>
+      </p:sp>
+      <p:sp>
+        <p:nvSpPr>
+          <p:cNvPr id="3" name="Notes Placeholder 2"/>
+          <p:cNvSpPr>
+            <a:spLocks noGrp="1"/>
+          </p:cNvSpPr>
+          <p:nvPr>
+            <p:ph type="body" idx="1"/>
+          </p:nvPr>
+        </p:nvSpPr>
+        <p:spPr/>
+        <p:txBody>
+          <a:bodyPr/>
+          <a:lstStyle/>
+          <a:p>
+            <a:r>
+              <a:rPr lang="en-US" dirty="0" smtClean="0"/>
+              <a:t>If you’re feeling adventurous,</a:t>
+            </a:r>
+            <a:r>
+              <a:rPr lang="en-US" baseline="0" dirty="0" smtClean="0"/>
+              <a:t> try making a Vector class for vectors of different sizes.</a:t>
+            </a:r>
+          </a:p>
+          <a:p>
+            <a:endParaRPr lang="en-US" baseline="0" dirty="0" smtClean="0"/>
+          </a:p>
+          <a:p>
+            <a:r>
+              <a:rPr lang="en-US" baseline="0" dirty="0" smtClean="0"/>
+              <a:t>Compare Results in </a:t>
+            </a:r>
+            <a:r>
+              <a:rPr lang="en-US" baseline="0" dirty="0" err="1" smtClean="0"/>
+              <a:t>numpy</a:t>
+            </a:r>
+            <a:r>
+              <a:rPr lang="en-US" baseline="0" dirty="0" smtClean="0"/>
+              <a:t>. Talk about how we get to use lower level languages (</a:t>
+            </a:r>
+            <a:r>
+              <a:rPr lang="en-US" baseline="0" dirty="0" err="1" smtClean="0"/>
+              <a:t>sorta</a:t>
+            </a:r>
+            <a:r>
+              <a:rPr lang="en-US" baseline="0" dirty="0" smtClean="0"/>
+              <a:t>)</a:t>
+            </a:r>
+            <a:endParaRPr lang="en-US" dirty="0"/>
+          </a:p>
+        </p:txBody>
+      </p:sp>
+      <p:sp>
+        <p:nvSpPr>
+          <p:cNvPr id="4" name="Slide Number Placeholder 3"/>
+          <p:cNvSpPr>
+            <a:spLocks noGrp="1"/>
+          </p:cNvSpPr>
+          <p:nvPr>
+            <p:ph type="sldNum" sz="quarter" idx="10"/>
+          </p:nvPr>
+        </p:nvSpPr>
+        <p:spPr/>
+        <p:txBody>
+          <a:bodyPr/>
+          <a:lstStyle/>
+          <a:p>
+            <a:fld id="{A2A96CE4-4593-BD4E-ACFD-4AA346581587}" type="slidenum">
+              <a:rPr lang="en-US" smtClean="0"/>
+              <a:t>43</a:t>
+            </a:fld>
+            <a:endParaRPr lang="en-US"/>
+          </a:p>
+        </p:txBody>
+      </p:sp>
+    </p:spTree>
+    <p:extLst>
+      <p:ext uri="{BB962C8B-B14F-4D97-AF65-F5344CB8AC3E}">
+        <p14:creationId xmlns:p14="http://schemas.microsoft.com/office/powerpoint/2010/main" val="2096094285"/>
+      </p:ext>
+    </p:extLst>
+  </p:cSld>
+  <p:clrMapOvr>
+    <a:masterClrMapping/>
+  </p:clrMapOvr>
+</p:notes>
+</file>
+
+<file path=ppt/notesSlides/notesSlide38.xml><?xml version="1.0" encoding="utf-8"?>
+<p:notes xmlns:a="http://schemas.openxmlformats.org/drawingml/2006/main" xmlns:r="http://schemas.openxmlformats.org/officeDocument/2006/relationships" xmlns:p="http://schemas.openxmlformats.org/presentationml/2006/main">
+  <p:cSld>
+    <p:spTree>
+      <p:nvGrpSpPr>
+        <p:cNvPr id="1" name=""/>
+        <p:cNvGrpSpPr/>
+        <p:nvPr/>
+      </p:nvGrpSpPr>
+      <p:grpSpPr>
+        <a:xfrm>
+          <a:off x="0" y="0"/>
+          <a:ext cx="0" cy="0"/>
+          <a:chOff x="0" y="0"/>
+          <a:chExt cx="0" cy="0"/>
+        </a:xfrm>
+      </p:grpSpPr>
+      <p:sp>
+        <p:nvSpPr>
+          <p:cNvPr id="2" name="Slide Image Placeholder 1"/>
+          <p:cNvSpPr>
+            <a:spLocks noGrp="1" noRot="1" noChangeAspect="1"/>
+          </p:cNvSpPr>
+          <p:nvPr>
+            <p:ph type="sldImg"/>
+          </p:nvPr>
+        </p:nvSpPr>
+        <p:spPr/>
+      </p:sp>
+      <p:sp>
+        <p:nvSpPr>
+          <p:cNvPr id="3" name="Notes Placeholder 2"/>
+          <p:cNvSpPr>
+            <a:spLocks noGrp="1"/>
+          </p:cNvSpPr>
+          <p:nvPr>
+            <p:ph type="body" idx="1"/>
+          </p:nvPr>
+        </p:nvSpPr>
+        <p:spPr/>
+        <p:txBody>
+          <a:bodyPr/>
+          <a:lstStyle/>
+          <a:p>
+            <a:endParaRPr lang="en-US" dirty="0"/>
+          </a:p>
+        </p:txBody>
+      </p:sp>
+      <p:sp>
+        <p:nvSpPr>
+          <p:cNvPr id="4" name="Slide Number Placeholder 3"/>
+          <p:cNvSpPr>
+            <a:spLocks noGrp="1"/>
+          </p:cNvSpPr>
+          <p:nvPr>
+            <p:ph type="sldNum" sz="quarter" idx="10"/>
+          </p:nvPr>
+        </p:nvSpPr>
+        <p:spPr/>
+        <p:txBody>
+          <a:bodyPr/>
+          <a:lstStyle/>
+          <a:p>
+            <a:fld id="{A2A96CE4-4593-BD4E-ACFD-4AA346581587}" type="slidenum">
+              <a:rPr lang="en-US" smtClean="0"/>
+              <a:t>44</a:t>
+            </a:fld>
+            <a:endParaRPr lang="en-US"/>
+          </a:p>
+        </p:txBody>
+      </p:sp>
+    </p:spTree>
+    <p:extLst>
+      <p:ext uri="{BB962C8B-B14F-4D97-AF65-F5344CB8AC3E}">
+        <p14:creationId xmlns:p14="http://schemas.microsoft.com/office/powerpoint/2010/main" val="1511035973"/>
       </p:ext>
     </p:extLst>
   </p:cSld>
@@ -3058,11 +3666,11 @@
             </a:pPr>
             <a:r>
               <a:rPr lang="en-US" dirty="0" smtClean="0"/>
-              <a:t>A natural follow-up question is, what is an object</a:t>
+              <a:t>The</a:t>
             </a:r>
             <a:r>
               <a:rPr lang="en-US" baseline="0" dirty="0" smtClean="0"/>
-              <a:t>?</a:t>
+              <a:t> simplest definition of a class, is that it’s an object creator</a:t>
             </a:r>
             <a:endParaRPr lang="en-US" dirty="0" smtClean="0"/>
           </a:p>
@@ -3085,7 +3693,7 @@
           <a:p>
             <a:fld id="{A2A96CE4-4593-BD4E-ACFD-4AA346581587}" type="slidenum">
               <a:rPr lang="en-US" smtClean="0"/>
-              <a:t>6</a:t>
+              <a:t>5</a:t>
             </a:fld>
             <a:endParaRPr lang="en-US"/>
           </a:p>
@@ -3094,7 +3702,7 @@
     </p:spTree>
     <p:extLst>
       <p:ext uri="{BB962C8B-B14F-4D97-AF65-F5344CB8AC3E}">
-        <p14:creationId xmlns:p14="http://schemas.microsoft.com/office/powerpoint/2010/main" val="187043956"/>
+        <p14:creationId xmlns:p14="http://schemas.microsoft.com/office/powerpoint/2010/main" val="877542986"/>
       </p:ext>
     </p:extLst>
   </p:cSld>
@@ -3165,6 +3773,14 @@
               <a:tabLst/>
               <a:defRPr/>
             </a:pPr>
+            <a:r>
+              <a:rPr lang="en-US" dirty="0" smtClean="0"/>
+              <a:t>A natural follow-up question is, what is an object</a:t>
+            </a:r>
+            <a:r>
+              <a:rPr lang="en-US" baseline="0" dirty="0" smtClean="0"/>
+              <a:t>?</a:t>
+            </a:r>
             <a:endParaRPr lang="en-US" dirty="0" smtClean="0"/>
           </a:p>
         </p:txBody>
@@ -3186,7 +3802,7 @@
           <a:p>
             <a:fld id="{A2A96CE4-4593-BD4E-ACFD-4AA346581587}" type="slidenum">
               <a:rPr lang="en-US" smtClean="0"/>
-              <a:t>7</a:t>
+              <a:t>6</a:t>
             </a:fld>
             <a:endParaRPr lang="en-US"/>
           </a:p>
@@ -3195,7 +3811,7 @@
     </p:spTree>
     <p:extLst>
       <p:ext uri="{BB962C8B-B14F-4D97-AF65-F5344CB8AC3E}">
-        <p14:creationId xmlns:p14="http://schemas.microsoft.com/office/powerpoint/2010/main" val="798527792"/>
+        <p14:creationId xmlns:p14="http://schemas.microsoft.com/office/powerpoint/2010/main" val="187043956"/>
       </p:ext>
     </p:extLst>
   </p:cSld>
@@ -3287,7 +3903,7 @@
           <a:p>
             <a:fld id="{A2A96CE4-4593-BD4E-ACFD-4AA346581587}" type="slidenum">
               <a:rPr lang="en-US" smtClean="0"/>
-              <a:t>8</a:t>
+              <a:t>7</a:t>
             </a:fld>
             <a:endParaRPr lang="en-US"/>
           </a:p>
@@ -3296,7 +3912,7 @@
     </p:spTree>
     <p:extLst>
       <p:ext uri="{BB962C8B-B14F-4D97-AF65-F5344CB8AC3E}">
-        <p14:creationId xmlns:p14="http://schemas.microsoft.com/office/powerpoint/2010/main" val="1196853312"/>
+        <p14:creationId xmlns:p14="http://schemas.microsoft.com/office/powerpoint/2010/main" val="798527792"/>
       </p:ext>
     </p:extLst>
   </p:cSld>
@@ -3388,7 +4004,7 @@
           <a:p>
             <a:fld id="{A2A96CE4-4593-BD4E-ACFD-4AA346581587}" type="slidenum">
               <a:rPr lang="en-US" smtClean="0"/>
-              <a:t>9</a:t>
+              <a:t>8</a:t>
             </a:fld>
             <a:endParaRPr lang="en-US"/>
           </a:p>
@@ -3397,7 +4013,7 @@
     </p:spTree>
     <p:extLst>
       <p:ext uri="{BB962C8B-B14F-4D97-AF65-F5344CB8AC3E}">
-        <p14:creationId xmlns:p14="http://schemas.microsoft.com/office/powerpoint/2010/main" val="590866893"/>
+        <p14:creationId xmlns:p14="http://schemas.microsoft.com/office/powerpoint/2010/main" val="1196853312"/>
       </p:ext>
     </p:extLst>
   </p:cSld>
@@ -3468,22 +4084,6 @@
               <a:tabLst/>
               <a:defRPr/>
             </a:pPr>
-            <a:r>
-              <a:rPr lang="en-US" dirty="0" smtClean="0"/>
-              <a:t>So you can imagine making a </a:t>
-            </a:r>
-            <a:r>
-              <a:rPr lang="en-US" dirty="0" err="1" smtClean="0"/>
-              <a:t>garfield</a:t>
-            </a:r>
-            <a:r>
-              <a:rPr lang="en-US" dirty="0" smtClean="0"/>
-              <a:t> object in Python</a:t>
-            </a:r>
-            <a:r>
-              <a:rPr lang="en-US" baseline="0" dirty="0" smtClean="0"/>
-              <a:t> to model Garfield the cat. </a:t>
-            </a:r>
             <a:endParaRPr lang="en-US" dirty="0" smtClean="0"/>
           </a:p>
         </p:txBody>
@@ -3505,7 +4105,7 @@
           <a:p>
             <a:fld id="{A2A96CE4-4593-BD4E-ACFD-4AA346581587}" type="slidenum">
               <a:rPr lang="en-US" smtClean="0"/>
-              <a:t>10</a:t>
+              <a:t>9</a:t>
             </a:fld>
             <a:endParaRPr lang="en-US"/>
           </a:p>
@@ -3514,7 +4114,7 @@
     </p:spTree>
     <p:extLst>
       <p:ext uri="{BB962C8B-B14F-4D97-AF65-F5344CB8AC3E}">
-        <p14:creationId xmlns:p14="http://schemas.microsoft.com/office/powerpoint/2010/main" val="1938569962"/>
+        <p14:creationId xmlns:p14="http://schemas.microsoft.com/office/powerpoint/2010/main" val="590866893"/>
       </p:ext>
     </p:extLst>
   </p:cSld>
@@ -3587,11 +4187,19 @@
             </a:pPr>
             <a:r>
               <a:rPr lang="en-US" dirty="0" smtClean="0"/>
-              <a:t>Here we see that he has two attributes:</a:t>
+              <a:t>So you can imagine making a </a:t>
+            </a:r>
+            <a:r>
+              <a:rPr lang="en-US" dirty="0" err="1" smtClean="0"/>
+              <a:t>garfield</a:t>
+            </a:r>
+            <a:r>
+              <a:rPr lang="en-US" dirty="0" smtClean="0"/>
+              <a:t> object in Python</a:t>
             </a:r>
             <a:r>
               <a:rPr lang="en-US" baseline="0" dirty="0" smtClean="0"/>
-              <a:t> his name and his hunger level</a:t>
+              <a:t> to model Garfield the cat. </a:t>
             </a:r>
             <a:endParaRPr lang="en-US" dirty="0" smtClean="0"/>
           </a:p>
@@ -3614,7 +4222,7 @@
           <a:p>
             <a:fld id="{A2A96CE4-4593-BD4E-ACFD-4AA346581587}" type="slidenum">
               <a:rPr lang="en-US" smtClean="0"/>
-              <a:t>11</a:t>
+              <a:t>10</a:t>
             </a:fld>
             <a:endParaRPr lang="en-US"/>
           </a:p>
@@ -3623,7 +4231,7 @@
     </p:spTree>
     <p:extLst>
       <p:ext uri="{BB962C8B-B14F-4D97-AF65-F5344CB8AC3E}">
-        <p14:creationId xmlns:p14="http://schemas.microsoft.com/office/powerpoint/2010/main" val="1009688069"/>
+        <p14:creationId xmlns:p14="http://schemas.microsoft.com/office/powerpoint/2010/main" val="1938569962"/>
       </p:ext>
     </p:extLst>
   </p:cSld>
@@ -3764,7 +4372,7 @@
           <a:p>
             <a:fld id="{1EBC572D-821C-8243-A8F6-2FD20C658687}" type="datetimeFigureOut">
               <a:rPr lang="en-US" smtClean="0"/>
-              <a:t>11/13/18</a:t>
+              <a:t>11/14/18</a:t>
             </a:fld>
             <a:endParaRPr lang="en-US"/>
           </a:p>
@@ -3934,7 +4542,7 @@
           <a:p>
             <a:fld id="{1EBC572D-821C-8243-A8F6-2FD20C658687}" type="datetimeFigureOut">
               <a:rPr lang="en-US" smtClean="0"/>
-              <a:t>11/13/18</a:t>
+              <a:t>11/14/18</a:t>
             </a:fld>
             <a:endParaRPr lang="en-US"/>
           </a:p>
@@ -4114,7 +4722,7 @@
           <a:p>
             <a:fld id="{1EBC572D-821C-8243-A8F6-2FD20C658687}" type="datetimeFigureOut">
               <a:rPr lang="en-US" smtClean="0"/>
-              <a:t>11/13/18</a:t>
+              <a:t>11/14/18</a:t>
             </a:fld>
             <a:endParaRPr lang="en-US"/>
           </a:p>
@@ -4284,7 +4892,7 @@
           <a:p>
             <a:fld id="{1EBC572D-821C-8243-A8F6-2FD20C658687}" type="datetimeFigureOut">
               <a:rPr lang="en-US" smtClean="0"/>
-              <a:t>11/13/18</a:t>
+              <a:t>11/14/18</a:t>
             </a:fld>
             <a:endParaRPr lang="en-US"/>
           </a:p>
@@ -4530,7 +5138,7 @@
           <a:p>
             <a:fld id="{1EBC572D-821C-8243-A8F6-2FD20C658687}" type="datetimeFigureOut">
               <a:rPr lang="en-US" smtClean="0"/>
-              <a:t>11/13/18</a:t>
+              <a:t>11/14/18</a:t>
             </a:fld>
             <a:endParaRPr lang="en-US"/>
           </a:p>
@@ -4762,7 +5370,7 @@
           <a:p>
             <a:fld id="{1EBC572D-821C-8243-A8F6-2FD20C658687}" type="datetimeFigureOut">
               <a:rPr lang="en-US" smtClean="0"/>
-              <a:t>11/13/18</a:t>
+              <a:t>11/14/18</a:t>
             </a:fld>
             <a:endParaRPr lang="en-US"/>
           </a:p>
@@ -5129,7 +5737,7 @@
           <a:p>
             <a:fld id="{1EBC572D-821C-8243-A8F6-2FD20C658687}" type="datetimeFigureOut">
               <a:rPr lang="en-US" smtClean="0"/>
-              <a:t>11/13/18</a:t>
+              <a:t>11/14/18</a:t>
             </a:fld>
             <a:endParaRPr lang="en-US"/>
           </a:p>
@@ -5247,7 +5855,7 @@
           <a:p>
             <a:fld id="{1EBC572D-821C-8243-A8F6-2FD20C658687}" type="datetimeFigureOut">
               <a:rPr lang="en-US" smtClean="0"/>
-              <a:t>11/13/18</a:t>
+              <a:t>11/14/18</a:t>
             </a:fld>
             <a:endParaRPr lang="en-US"/>
           </a:p>
@@ -5342,7 +5950,7 @@
           <a:p>
             <a:fld id="{1EBC572D-821C-8243-A8F6-2FD20C658687}" type="datetimeFigureOut">
               <a:rPr lang="en-US" smtClean="0"/>
-              <a:t>11/13/18</a:t>
+              <a:t>11/14/18</a:t>
             </a:fld>
             <a:endParaRPr lang="en-US"/>
           </a:p>
@@ -5619,7 +6227,7 @@
           <a:p>
             <a:fld id="{1EBC572D-821C-8243-A8F6-2FD20C658687}" type="datetimeFigureOut">
               <a:rPr lang="en-US" smtClean="0"/>
-              <a:t>11/13/18</a:t>
+              <a:t>11/14/18</a:t>
             </a:fld>
             <a:endParaRPr lang="en-US"/>
           </a:p>
@@ -5872,7 +6480,7 @@
           <a:p>
             <a:fld id="{1EBC572D-821C-8243-A8F6-2FD20C658687}" type="datetimeFigureOut">
               <a:rPr lang="en-US" smtClean="0"/>
-              <a:t>11/13/18</a:t>
+              <a:t>11/14/18</a:t>
             </a:fld>
             <a:endParaRPr lang="en-US"/>
           </a:p>
@@ -6085,7 +6693,7 @@
           <a:p>
             <a:fld id="{1EBC572D-821C-8243-A8F6-2FD20C658687}" type="datetimeFigureOut">
               <a:rPr lang="en-US" smtClean="0"/>
-              <a:t>11/13/18</a:t>
+              <a:t>11/14/18</a:t>
             </a:fld>
             <a:endParaRPr lang="en-US"/>
           </a:p>
@@ -10270,7 +10878,7 @@
         <p:spPr>
           <a:xfrm>
             <a:off x="614363" y="428625"/>
-            <a:ext cx="11201400" cy="2400657"/>
+            <a:ext cx="11201400" cy="5170646"/>
           </a:xfrm>
           <a:prstGeom prst="rect">
             <a:avLst/>
@@ -10289,13 +10897,52 @@
             </a:r>
           </a:p>
           <a:p>
+            <a:endParaRPr lang="en-US" sz="3000" b="1" dirty="0" smtClean="0"/>
+          </a:p>
+          <a:p>
+            <a:r>
+              <a:rPr lang="en-US" sz="3000" b="1" dirty="0" smtClean="0"/>
+              <a:t>Quiz : </a:t>
+            </a:r>
+            <a:r>
+              <a:rPr lang="en-US" sz="2800" dirty="0" smtClean="0"/>
+              <a:t>https</a:t>
+            </a:r>
+            <a:r>
+              <a:rPr lang="en-US" sz="2800" dirty="0"/>
+              <a:t>://</a:t>
+            </a:r>
+            <a:r>
+              <a:rPr lang="en-US" sz="2800" dirty="0" err="1"/>
+              <a:t>oxfordsaid.eu.qualtrics.com</a:t>
+            </a:r>
+            <a:r>
+              <a:rPr lang="en-US" sz="2800" dirty="0"/>
+              <a:t>/</a:t>
+            </a:r>
+            <a:r>
+              <a:rPr lang="en-US" sz="2800" dirty="0" err="1"/>
+              <a:t>jfe</a:t>
+            </a:r>
+            <a:r>
+              <a:rPr lang="en-US" sz="2800" dirty="0"/>
+              <a:t>/form/SV_4ZNhFyZbaShWdcp</a:t>
+            </a:r>
+            <a:endParaRPr lang="en-US" sz="2800" b="1" dirty="0"/>
+          </a:p>
+          <a:p>
             <a:endParaRPr lang="en-US" sz="3000" b="1" dirty="0"/>
           </a:p>
           <a:p>
             <a:r>
               <a:rPr lang="en-US" sz="3000" b="1" dirty="0" smtClean="0"/>
-              <a:t>Review Functions</a:t>
-            </a:r>
+              <a:t>Review </a:t>
+            </a:r>
+            <a:r>
+              <a:rPr lang="en-US" sz="3000" b="1" dirty="0" smtClean="0"/>
+              <a:t>Functions : “Exercises”</a:t>
+            </a:r>
+            <a:endParaRPr lang="en-US" sz="3000" b="1" dirty="0" smtClean="0"/>
           </a:p>
           <a:p>
             <a:endParaRPr lang="en-US" sz="3000" b="1" dirty="0"/>
@@ -10303,7 +10950,29 @@
           <a:p>
             <a:r>
               <a:rPr lang="en-US" sz="3000" b="1" dirty="0" smtClean="0"/>
-              <a:t>Classes and Object Orientation</a:t>
+              <a:t>Classes and Object </a:t>
+            </a:r>
+            <a:r>
+              <a:rPr lang="en-US" sz="3000" b="1" dirty="0" smtClean="0"/>
+              <a:t>Orientation</a:t>
+            </a:r>
+          </a:p>
+          <a:p>
+            <a:endParaRPr lang="en-US" sz="3000" b="1" dirty="0"/>
+          </a:p>
+          <a:p>
+            <a:r>
+              <a:rPr lang="en-US" sz="3000" b="1" dirty="0" smtClean="0"/>
+              <a:t>Alarms</a:t>
+            </a:r>
+          </a:p>
+          <a:p>
+            <a:endParaRPr lang="en-US" sz="3000" b="1" dirty="0" smtClean="0"/>
+          </a:p>
+          <a:p>
+            <a:r>
+              <a:rPr lang="en-US" sz="3000" b="1" dirty="0" smtClean="0"/>
+              <a:t>Emails</a:t>
             </a:r>
             <a:endParaRPr lang="en-US" sz="3000" b="1" dirty="0"/>
           </a:p>
@@ -15292,6 +15961,36 @@
           <a:chExt cx="0" cy="0"/>
         </a:xfrm>
       </p:grpSpPr>
+      <p:pic>
+        <p:nvPicPr>
+          <p:cNvPr id="4" name="Picture 3"/>
+          <p:cNvPicPr>
+            <a:picLocks noChangeAspect="1"/>
+          </p:cNvPicPr>
+          <p:nvPr/>
+        </p:nvPicPr>
+        <p:blipFill>
+          <a:blip r:embed="rId3">
+            <a:extLst>
+              <a:ext uri="{28A0092B-C50C-407E-A947-70E740481C1C}">
+                <a14:useLocalDpi xmlns:a14="http://schemas.microsoft.com/office/drawing/2010/main" val="0"/>
+              </a:ext>
+            </a:extLst>
+          </a:blip>
+          <a:stretch>
+            <a:fillRect/>
+          </a:stretch>
+        </p:blipFill>
+        <p:spPr>
+          <a:xfrm>
+            <a:off x="63500" y="0"/>
+            <a:ext cx="12054980" cy="6858000"/>
+          </a:xfrm>
+          <a:prstGeom prst="rect">
+            <a:avLst/>
+          </a:prstGeom>
+        </p:spPr>
+      </p:pic>
     </p:spTree>
     <p:extLst>
       <p:ext uri="{BB962C8B-B14F-4D97-AF65-F5344CB8AC3E}">
@@ -15322,10 +16021,70 @@
           <a:chExt cx="0" cy="0"/>
         </a:xfrm>
       </p:grpSpPr>
+      <p:pic>
+        <p:nvPicPr>
+          <p:cNvPr id="2" name="Picture 1"/>
+          <p:cNvPicPr>
+            <a:picLocks noChangeAspect="1"/>
+          </p:cNvPicPr>
+          <p:nvPr/>
+        </p:nvPicPr>
+        <p:blipFill>
+          <a:blip r:embed="rId3">
+            <a:extLst>
+              <a:ext uri="{28A0092B-C50C-407E-A947-70E740481C1C}">
+                <a14:useLocalDpi xmlns:a14="http://schemas.microsoft.com/office/drawing/2010/main" val="0"/>
+              </a:ext>
+            </a:extLst>
+          </a:blip>
+          <a:stretch>
+            <a:fillRect/>
+          </a:stretch>
+        </p:blipFill>
+        <p:spPr>
+          <a:xfrm>
+            <a:off x="12700" y="876300"/>
+            <a:ext cx="12166600" cy="5092700"/>
+          </a:xfrm>
+          <a:prstGeom prst="rect">
+            <a:avLst/>
+          </a:prstGeom>
+        </p:spPr>
+      </p:pic>
     </p:spTree>
     <p:extLst>
       <p:ext uri="{BB962C8B-B14F-4D97-AF65-F5344CB8AC3E}">
         <p14:creationId xmlns:p14="http://schemas.microsoft.com/office/powerpoint/2010/main" val="1749957629"/>
+      </p:ext>
+    </p:extLst>
+  </p:cSld>
+  <p:clrMapOvr>
+    <a:masterClrMapping/>
+  </p:clrMapOvr>
+</p:sld>
+</file>
+
+<file path=ppt/slides/slide44.xml><?xml version="1.0" encoding="utf-8"?>
+<p:sld xmlns:a="http://schemas.openxmlformats.org/drawingml/2006/main" xmlns:r="http://schemas.openxmlformats.org/officeDocument/2006/relationships" xmlns:p="http://schemas.openxmlformats.org/presentationml/2006/main">
+  <p:cSld>
+    <p:spTree>
+      <p:nvGrpSpPr>
+        <p:cNvPr id="1" name=""/>
+        <p:cNvGrpSpPr/>
+        <p:nvPr/>
+      </p:nvGrpSpPr>
+      <p:grpSpPr>
+        <a:xfrm>
+          <a:off x="0" y="0"/>
+          <a:ext cx="0" cy="0"/>
+          <a:chOff x="0" y="0"/>
+          <a:chExt cx="0" cy="0"/>
+        </a:xfrm>
+      </p:grpSpPr>
+    </p:spTree>
+    <p:extLst>
+      <p:ext uri="{BB962C8B-B14F-4D97-AF65-F5344CB8AC3E}">
+        <p14:creationId xmlns:p14="http://schemas.microsoft.com/office/powerpoint/2010/main" val="452790242"/>
       </p:ext>
     </p:extLst>
   </p:cSld>

--- a/Week 5/Week 5 Slides.pptx
+++ b/Week 5/Week 5 Slides.pptx
@@ -5,7 +5,7 @@
     <p:sldMasterId id="2147483648" r:id="rId1"/>
   </p:sldMasterIdLst>
   <p:notesMasterIdLst>
-    <p:notesMasterId r:id="rId46"/>
+    <p:notesMasterId r:id="rId47"/>
   </p:notesMasterIdLst>
   <p:sldIdLst>
     <p:sldId id="256" r:id="rId2"/>
@@ -52,6 +52,7 @@
     <p:sldId id="293" r:id="rId43"/>
     <p:sldId id="294" r:id="rId44"/>
     <p:sldId id="303" r:id="rId45"/>
+    <p:sldId id="304" r:id="rId46"/>
   </p:sldIdLst>
   <p:sldSz cx="12192000" cy="6858000"/>
   <p:notesSz cx="6858000" cy="9144000"/>
@@ -554,7 +555,22 @@
           <a:p>
             <a:r>
               <a:rPr lang="en-US" dirty="0" smtClean="0"/>
-              <a:t>[Go</a:t>
+              <a:t>[Go through Quiz]</a:t>
+            </a:r>
+            <a:r>
+              <a:rPr lang="en-US" baseline="0" dirty="0" smtClean="0"/>
+              <a:t> Quiz URL is also in </a:t>
+            </a:r>
+            <a:r>
+              <a:rPr lang="en-US" baseline="0" dirty="0" err="1" smtClean="0"/>
+              <a:t>Exercises.ipynb</a:t>
+            </a:r>
+            <a:endParaRPr lang="en-US" dirty="0" smtClean="0"/>
+          </a:p>
+          <a:p>
+            <a:r>
+              <a:rPr lang="en-US" dirty="0" smtClean="0"/>
+              <a:t>Go</a:t>
             </a:r>
             <a:r>
               <a:rPr lang="en-US" baseline="0" dirty="0" smtClean="0"/>
@@ -3360,7 +3376,7 @@
             </a:r>
             <a:r>
               <a:rPr lang="en-US" baseline="0" dirty="0" smtClean="0"/>
-              <a:t> down the “Classes” notebook until you hit this point</a:t>
+              <a:t> down the “Classes” notebook until you hit this point. Explain encapsulation with TV remote analogy.</a:t>
             </a:r>
             <a:endParaRPr lang="en-US" dirty="0"/>
           </a:p>
@@ -3563,6 +3579,12 @@
           <a:bodyPr/>
           <a:lstStyle/>
           <a:p>
+            <a:r>
+              <a:rPr lang="en-US" dirty="0" smtClean="0"/>
+              <a:t>And let’s try to work through Alarms</a:t>
+            </a:r>
+          </a:p>
+          <a:p>
             <a:endParaRPr lang="en-US" dirty="0"/>
           </a:p>
         </p:txBody>
@@ -3594,6 +3616,96 @@
     <p:extLst>
       <p:ext uri="{BB962C8B-B14F-4D97-AF65-F5344CB8AC3E}">
         <p14:creationId xmlns:p14="http://schemas.microsoft.com/office/powerpoint/2010/main" val="1511035973"/>
+      </p:ext>
+    </p:extLst>
+  </p:cSld>
+  <p:clrMapOvr>
+    <a:masterClrMapping/>
+  </p:clrMapOvr>
+</p:notes>
+</file>
+
+<file path=ppt/notesSlides/notesSlide39.xml><?xml version="1.0" encoding="utf-8"?>
+<p:notes xmlns:a="http://schemas.openxmlformats.org/drawingml/2006/main" xmlns:r="http://schemas.openxmlformats.org/officeDocument/2006/relationships" xmlns:p="http://schemas.openxmlformats.org/presentationml/2006/main">
+  <p:cSld>
+    <p:spTree>
+      <p:nvGrpSpPr>
+        <p:cNvPr id="1" name=""/>
+        <p:cNvGrpSpPr/>
+        <p:nvPr/>
+      </p:nvGrpSpPr>
+      <p:grpSpPr>
+        <a:xfrm>
+          <a:off x="0" y="0"/>
+          <a:ext cx="0" cy="0"/>
+          <a:chOff x="0" y="0"/>
+          <a:chExt cx="0" cy="0"/>
+        </a:xfrm>
+      </p:grpSpPr>
+      <p:sp>
+        <p:nvSpPr>
+          <p:cNvPr id="2" name="Slide Image Placeholder 1"/>
+          <p:cNvSpPr>
+            <a:spLocks noGrp="1" noRot="1" noChangeAspect="1"/>
+          </p:cNvSpPr>
+          <p:nvPr>
+            <p:ph type="sldImg"/>
+          </p:nvPr>
+        </p:nvSpPr>
+        <p:spPr/>
+      </p:sp>
+      <p:sp>
+        <p:nvSpPr>
+          <p:cNvPr id="3" name="Notes Placeholder 2"/>
+          <p:cNvSpPr>
+            <a:spLocks noGrp="1"/>
+          </p:cNvSpPr>
+          <p:nvPr>
+            <p:ph type="body" idx="1"/>
+          </p:nvPr>
+        </p:nvSpPr>
+        <p:spPr/>
+        <p:txBody>
+          <a:bodyPr/>
+          <a:lstStyle/>
+          <a:p>
+            <a:r>
+              <a:rPr lang="en-US" dirty="0" smtClean="0"/>
+              <a:t>And let’s try to work through Alarms</a:t>
+            </a:r>
+          </a:p>
+          <a:p>
+            <a:endParaRPr lang="en-US" dirty="0"/>
+          </a:p>
+        </p:txBody>
+      </p:sp>
+      <p:sp>
+        <p:nvSpPr>
+          <p:cNvPr id="4" name="Slide Number Placeholder 3"/>
+          <p:cNvSpPr>
+            <a:spLocks noGrp="1"/>
+          </p:cNvSpPr>
+          <p:nvPr>
+            <p:ph type="sldNum" sz="quarter" idx="10"/>
+          </p:nvPr>
+        </p:nvSpPr>
+        <p:spPr/>
+        <p:txBody>
+          <a:bodyPr/>
+          <a:lstStyle/>
+          <a:p>
+            <a:fld id="{A2A96CE4-4593-BD4E-ACFD-4AA346581587}" type="slidenum">
+              <a:rPr lang="en-US" smtClean="0"/>
+              <a:t>45</a:t>
+            </a:fld>
+            <a:endParaRPr lang="en-US"/>
+          </a:p>
+        </p:txBody>
+      </p:sp>
+    </p:spTree>
+    <p:extLst>
+      <p:ext uri="{BB962C8B-B14F-4D97-AF65-F5344CB8AC3E}">
+        <p14:creationId xmlns:p14="http://schemas.microsoft.com/office/powerpoint/2010/main" val="1359549504"/>
       </p:ext>
     </p:extLst>
   </p:cSld>
@@ -7146,6 +7258,13 @@
   <p:clrMapOvr>
     <a:masterClrMapping/>
   </p:clrMapOvr>
+  <p:timing>
+    <p:tnLst>
+      <p:par>
+        <p:cTn id="1" dur="indefinite" restart="never" nodeType="tmRoot"/>
+      </p:par>
+    </p:tnLst>
+  </p:timing>
 </p:sld>
 </file>
 
@@ -7322,6 +7441,13 @@
   <p:clrMapOvr>
     <a:masterClrMapping/>
   </p:clrMapOvr>
+  <p:timing>
+    <p:tnLst>
+      <p:par>
+        <p:cTn id="1" dur="indefinite" restart="never" nodeType="tmRoot"/>
+      </p:par>
+    </p:tnLst>
+  </p:timing>
 </p:sld>
 </file>
 
@@ -7498,6 +7624,13 @@
   <p:clrMapOvr>
     <a:masterClrMapping/>
   </p:clrMapOvr>
+  <p:timing>
+    <p:tnLst>
+      <p:par>
+        <p:cTn id="1" dur="indefinite" restart="never" nodeType="tmRoot"/>
+      </p:par>
+    </p:tnLst>
+  </p:timing>
 </p:sld>
 </file>
 
@@ -7674,6 +7807,13 @@
   <p:clrMapOvr>
     <a:masterClrMapping/>
   </p:clrMapOvr>
+  <p:timing>
+    <p:tnLst>
+      <p:par>
+        <p:cTn id="1" dur="indefinite" restart="never" nodeType="tmRoot"/>
+      </p:par>
+    </p:tnLst>
+  </p:timing>
 </p:sld>
 </file>
 
@@ -7807,6 +7947,13 @@
   <p:clrMapOvr>
     <a:masterClrMapping/>
   </p:clrMapOvr>
+  <p:timing>
+    <p:tnLst>
+      <p:par>
+        <p:cTn id="1" dur="indefinite" restart="never" nodeType="tmRoot"/>
+      </p:par>
+    </p:tnLst>
+  </p:timing>
 </p:sld>
 </file>
 
@@ -8081,6 +8228,13 @@
   <p:clrMapOvr>
     <a:masterClrMapping/>
   </p:clrMapOvr>
+  <p:timing>
+    <p:tnLst>
+      <p:par>
+        <p:cTn id="1" dur="indefinite" restart="never" nodeType="tmRoot"/>
+      </p:par>
+    </p:tnLst>
+  </p:timing>
 </p:sld>
 </file>
 
@@ -9007,6 +9161,13 @@
   <p:clrMapOvr>
     <a:masterClrMapping/>
   </p:clrMapOvr>
+  <p:timing>
+    <p:tnLst>
+      <p:par>
+        <p:cTn id="1" dur="indefinite" restart="never" nodeType="tmRoot"/>
+      </p:par>
+    </p:tnLst>
+  </p:timing>
 </p:sld>
 </file>
 
@@ -10037,6 +10198,13 @@
   <p:clrMapOvr>
     <a:masterClrMapping/>
   </p:clrMapOvr>
+  <p:timing>
+    <p:tnLst>
+      <p:par>
+        <p:cTn id="1" dur="indefinite" restart="never" nodeType="tmRoot"/>
+      </p:par>
+    </p:tnLst>
+  </p:timing>
 </p:sld>
 </file>
 
@@ -10127,6 +10295,13 @@
   <p:clrMapOvr>
     <a:masterClrMapping/>
   </p:clrMapOvr>
+  <p:timing>
+    <p:tnLst>
+      <p:par>
+        <p:cTn id="1" dur="indefinite" restart="never" nodeType="tmRoot"/>
+      </p:par>
+    </p:tnLst>
+  </p:timing>
 </p:sld>
 </file>
 
@@ -10488,6 +10663,13 @@
   <p:clrMapOvr>
     <a:masterClrMapping/>
   </p:clrMapOvr>
+  <p:timing>
+    <p:tnLst>
+      <p:par>
+        <p:cTn id="1" dur="indefinite" restart="never" nodeType="tmRoot"/>
+      </p:par>
+    </p:tnLst>
+  </p:timing>
 </p:sld>
 </file>
 
@@ -10849,6 +11031,13 @@
   <p:clrMapOvr>
     <a:masterClrMapping/>
   </p:clrMapOvr>
+  <p:timing>
+    <p:tnLst>
+      <p:par>
+        <p:cTn id="1" dur="indefinite" restart="never" nodeType="tmRoot"/>
+      </p:par>
+    </p:tnLst>
+  </p:timing>
 </p:sld>
 </file>
 
@@ -10988,6 +11177,13 @@
   <p:clrMapOvr>
     <a:masterClrMapping/>
   </p:clrMapOvr>
+  <p:timing>
+    <p:tnLst>
+      <p:par>
+        <p:cTn id="1" dur="indefinite" restart="never" nodeType="tmRoot"/>
+      </p:par>
+    </p:tnLst>
+  </p:timing>
 </p:sld>
 </file>
 
@@ -11145,6 +11341,13 @@
   <p:clrMapOvr>
     <a:masterClrMapping/>
   </p:clrMapOvr>
+  <p:timing>
+    <p:tnLst>
+      <p:par>
+        <p:cTn id="1" dur="indefinite" restart="never" nodeType="tmRoot"/>
+      </p:par>
+    </p:tnLst>
+  </p:timing>
 </p:sld>
 </file>
 
@@ -11235,6 +11438,13 @@
   <p:clrMapOvr>
     <a:masterClrMapping/>
   </p:clrMapOvr>
+  <p:timing>
+    <p:tnLst>
+      <p:par>
+        <p:cTn id="1" dur="indefinite" restart="never" nodeType="tmRoot"/>
+      </p:par>
+    </p:tnLst>
+  </p:timing>
 </p:sld>
 </file>
 
@@ -11380,6 +11590,13 @@
   <p:clrMapOvr>
     <a:masterClrMapping/>
   </p:clrMapOvr>
+  <p:timing>
+    <p:tnLst>
+      <p:par>
+        <p:cTn id="1" dur="indefinite" restart="never" nodeType="tmRoot"/>
+      </p:par>
+    </p:tnLst>
+  </p:timing>
 </p:sld>
 </file>
 
@@ -11548,6 +11765,13 @@
   <p:clrMapOvr>
     <a:masterClrMapping/>
   </p:clrMapOvr>
+  <p:timing>
+    <p:tnLst>
+      <p:par>
+        <p:cTn id="1" dur="indefinite" restart="never" nodeType="tmRoot"/>
+      </p:par>
+    </p:tnLst>
+  </p:timing>
 </p:sld>
 </file>
 
@@ -11608,6 +11832,13 @@
   <p:clrMapOvr>
     <a:masterClrMapping/>
   </p:clrMapOvr>
+  <p:timing>
+    <p:tnLst>
+      <p:par>
+        <p:cTn id="1" dur="indefinite" restart="never" nodeType="tmRoot"/>
+      </p:par>
+    </p:tnLst>
+  </p:timing>
 </p:sld>
 </file>
 
@@ -12250,6 +12481,13 @@
   <p:clrMapOvr>
     <a:masterClrMapping/>
   </p:clrMapOvr>
+  <p:timing>
+    <p:tnLst>
+      <p:par>
+        <p:cTn id="1" dur="indefinite" restart="never" nodeType="tmRoot"/>
+      </p:par>
+    </p:tnLst>
+  </p:timing>
 </p:sld>
 </file>
 
@@ -12340,6 +12578,13 @@
   <p:clrMapOvr>
     <a:masterClrMapping/>
   </p:clrMapOvr>
+  <p:timing>
+    <p:tnLst>
+      <p:par>
+        <p:cTn id="1" dur="indefinite" restart="never" nodeType="tmRoot"/>
+      </p:par>
+    </p:tnLst>
+  </p:timing>
 </p:sld>
 </file>
 
@@ -12430,6 +12675,13 @@
   <p:clrMapOvr>
     <a:masterClrMapping/>
   </p:clrMapOvr>
+  <p:timing>
+    <p:tnLst>
+      <p:par>
+        <p:cTn id="1" dur="indefinite" restart="never" nodeType="tmRoot"/>
+      </p:par>
+    </p:tnLst>
+  </p:timing>
 </p:sld>
 </file>
 
@@ -12520,6 +12772,13 @@
   <p:clrMapOvr>
     <a:masterClrMapping/>
   </p:clrMapOvr>
+  <p:timing>
+    <p:tnLst>
+      <p:par>
+        <p:cTn id="1" dur="indefinite" restart="never" nodeType="tmRoot"/>
+      </p:par>
+    </p:tnLst>
+  </p:timing>
 </p:sld>
 </file>
 
@@ -12712,6 +12971,13 @@
   <p:clrMapOvr>
     <a:masterClrMapping/>
   </p:clrMapOvr>
+  <p:timing>
+    <p:tnLst>
+      <p:par>
+        <p:cTn id="1" dur="indefinite" restart="never" nodeType="tmRoot"/>
+      </p:par>
+    </p:tnLst>
+  </p:timing>
 </p:sld>
 </file>
 
@@ -12826,6 +13092,13 @@
   <p:clrMapOvr>
     <a:masterClrMapping/>
   </p:clrMapOvr>
+  <p:timing>
+    <p:tnLst>
+      <p:par>
+        <p:cTn id="1" dur="indefinite" restart="never" nodeType="tmRoot"/>
+      </p:par>
+    </p:tnLst>
+  </p:timing>
 </p:sld>
 </file>
 
@@ -13222,6 +13495,13 @@
   <p:clrMapOvr>
     <a:masterClrMapping/>
   </p:clrMapOvr>
+  <p:timing>
+    <p:tnLst>
+      <p:par>
+        <p:cTn id="1" dur="indefinite" restart="never" nodeType="tmRoot"/>
+      </p:par>
+    </p:tnLst>
+  </p:timing>
 </p:sld>
 </file>
 
@@ -14432,6 +14712,13 @@
   <p:clrMapOvr>
     <a:masterClrMapping/>
   </p:clrMapOvr>
+  <p:timing>
+    <p:tnLst>
+      <p:par>
+        <p:cTn id="1" dur="indefinite" restart="never" nodeType="tmRoot"/>
+      </p:par>
+    </p:tnLst>
+  </p:timing>
 </p:sld>
 </file>
 
@@ -14614,6 +14901,13 @@
   <p:clrMapOvr>
     <a:masterClrMapping/>
   </p:clrMapOvr>
+  <p:timing>
+    <p:tnLst>
+      <p:par>
+        <p:cTn id="1" dur="indefinite" restart="never" nodeType="tmRoot"/>
+      </p:par>
+    </p:tnLst>
+  </p:timing>
 </p:sld>
 </file>
 
@@ -14704,6 +14998,13 @@
   <p:clrMapOvr>
     <a:masterClrMapping/>
   </p:clrMapOvr>
+  <p:timing>
+    <p:tnLst>
+      <p:par>
+        <p:cTn id="1" dur="indefinite" restart="never" nodeType="tmRoot"/>
+      </p:par>
+    </p:tnLst>
+  </p:timing>
 </p:sld>
 </file>
 
@@ -14840,6 +15141,13 @@
   <p:clrMapOvr>
     <a:masterClrMapping/>
   </p:clrMapOvr>
+  <p:timing>
+    <p:tnLst>
+      <p:par>
+        <p:cTn id="1" dur="indefinite" restart="never" nodeType="tmRoot"/>
+      </p:par>
+    </p:tnLst>
+  </p:timing>
 </p:sld>
 </file>
 
@@ -14976,6 +15284,13 @@
   <p:clrMapOvr>
     <a:masterClrMapping/>
   </p:clrMapOvr>
+  <p:timing>
+    <p:tnLst>
+      <p:par>
+        <p:cTn id="1" dur="indefinite" restart="never" nodeType="tmRoot"/>
+      </p:par>
+    </p:tnLst>
+  </p:timing>
 </p:sld>
 </file>
 
@@ -15066,6 +15381,13 @@
   <p:clrMapOvr>
     <a:masterClrMapping/>
   </p:clrMapOvr>
+  <p:timing>
+    <p:tnLst>
+      <p:par>
+        <p:cTn id="1" dur="indefinite" restart="never" nodeType="tmRoot"/>
+      </p:par>
+    </p:tnLst>
+  </p:timing>
 </p:sld>
 </file>
 
@@ -15156,6 +15478,13 @@
   <p:clrMapOvr>
     <a:masterClrMapping/>
   </p:clrMapOvr>
+  <p:timing>
+    <p:tnLst>
+      <p:par>
+        <p:cTn id="1" dur="indefinite" restart="never" nodeType="tmRoot"/>
+      </p:par>
+    </p:tnLst>
+  </p:timing>
 </p:sld>
 </file>
 
@@ -15450,6 +15779,13 @@
   <p:clrMapOvr>
     <a:masterClrMapping/>
   </p:clrMapOvr>
+  <p:timing>
+    <p:tnLst>
+      <p:par>
+        <p:cTn id="1" dur="indefinite" restart="never" nodeType="tmRoot"/>
+      </p:par>
+    </p:tnLst>
+  </p:timing>
 </p:sld>
 </file>
 
@@ -15594,6 +15930,13 @@
   <p:clrMapOvr>
     <a:masterClrMapping/>
   </p:clrMapOvr>
+  <p:timing>
+    <p:tnLst>
+      <p:par>
+        <p:cTn id="1" dur="indefinite" restart="never" nodeType="tmRoot"/>
+      </p:par>
+    </p:tnLst>
+  </p:timing>
 </p:sld>
 </file>
 
@@ -15718,6 +16061,13 @@
   <p:clrMapOvr>
     <a:masterClrMapping/>
   </p:clrMapOvr>
+  <p:timing>
+    <p:tnLst>
+      <p:par>
+        <p:cTn id="1" dur="indefinite" restart="never" nodeType="tmRoot"/>
+      </p:par>
+    </p:tnLst>
+  </p:timing>
 </p:sld>
 </file>
 
@@ -15851,6 +16201,13 @@
   <p:clrMapOvr>
     <a:masterClrMapping/>
   </p:clrMapOvr>
+  <p:timing>
+    <p:tnLst>
+      <p:par>
+        <p:cTn id="1" dur="indefinite" restart="never" nodeType="tmRoot"/>
+      </p:par>
+    </p:tnLst>
+  </p:timing>
 </p:sld>
 </file>
 
@@ -15941,6 +16298,13 @@
   <p:clrMapOvr>
     <a:masterClrMapping/>
   </p:clrMapOvr>
+  <p:timing>
+    <p:tnLst>
+      <p:par>
+        <p:cTn id="1" dur="indefinite" restart="never" nodeType="tmRoot"/>
+      </p:par>
+    </p:tnLst>
+  </p:timing>
 </p:sld>
 </file>
 
@@ -16001,6 +16365,13 @@
   <p:clrMapOvr>
     <a:masterClrMapping/>
   </p:clrMapOvr>
+  <p:timing>
+    <p:tnLst>
+      <p:par>
+        <p:cTn id="1" dur="indefinite" restart="never" nodeType="tmRoot"/>
+      </p:par>
+    </p:tnLst>
+  </p:timing>
 </p:sld>
 </file>
 
@@ -16061,6 +16432,13 @@
   <p:clrMapOvr>
     <a:masterClrMapping/>
   </p:clrMapOvr>
+  <p:timing>
+    <p:tnLst>
+      <p:par>
+        <p:cTn id="1" dur="indefinite" restart="never" nodeType="tmRoot"/>
+      </p:par>
+    </p:tnLst>
+  </p:timing>
 </p:sld>
 </file>
 
@@ -16081,6 +16459,36 @@
           <a:chExt cx="0" cy="0"/>
         </a:xfrm>
       </p:grpSpPr>
+      <p:pic>
+        <p:nvPicPr>
+          <p:cNvPr id="3" name="Picture 2"/>
+          <p:cNvPicPr>
+            <a:picLocks noChangeAspect="1"/>
+          </p:cNvPicPr>
+          <p:nvPr/>
+        </p:nvPicPr>
+        <p:blipFill>
+          <a:blip r:embed="rId3">
+            <a:extLst>
+              <a:ext uri="{28A0092B-C50C-407E-A947-70E740481C1C}">
+                <a14:useLocalDpi xmlns:a14="http://schemas.microsoft.com/office/drawing/2010/main" val="0"/>
+              </a:ext>
+            </a:extLst>
+          </a:blip>
+          <a:stretch>
+            <a:fillRect/>
+          </a:stretch>
+        </p:blipFill>
+        <p:spPr>
+          <a:xfrm>
+            <a:off x="1320800" y="0"/>
+            <a:ext cx="9526919" cy="6858000"/>
+          </a:xfrm>
+          <a:prstGeom prst="rect">
+            <a:avLst/>
+          </a:prstGeom>
+        </p:spPr>
+      </p:pic>
     </p:spTree>
     <p:extLst>
       <p:ext uri="{BB962C8B-B14F-4D97-AF65-F5344CB8AC3E}">
@@ -16091,6 +16499,80 @@
   <p:clrMapOvr>
     <a:masterClrMapping/>
   </p:clrMapOvr>
+  <p:timing>
+    <p:tnLst>
+      <p:par>
+        <p:cTn id="1" dur="indefinite" restart="never" nodeType="tmRoot"/>
+      </p:par>
+    </p:tnLst>
+  </p:timing>
+</p:sld>
+</file>
+
+<file path=ppt/slides/slide45.xml><?xml version="1.0" encoding="utf-8"?>
+<p:sld xmlns:a="http://schemas.openxmlformats.org/drawingml/2006/main" xmlns:r="http://schemas.openxmlformats.org/officeDocument/2006/relationships" xmlns:p="http://schemas.openxmlformats.org/presentationml/2006/main">
+  <p:cSld>
+    <p:spTree>
+      <p:nvGrpSpPr>
+        <p:cNvPr id="1" name=""/>
+        <p:cNvGrpSpPr/>
+        <p:nvPr/>
+      </p:nvGrpSpPr>
+      <p:grpSpPr>
+        <a:xfrm>
+          <a:off x="0" y="0"/>
+          <a:ext cx="0" cy="0"/>
+          <a:chOff x="0" y="0"/>
+          <a:chExt cx="0" cy="0"/>
+        </a:xfrm>
+      </p:grpSpPr>
+      <p:pic>
+        <p:nvPicPr>
+          <p:cNvPr id="2" name="Picture 1"/>
+          <p:cNvPicPr>
+            <a:picLocks noChangeAspect="1"/>
+          </p:cNvPicPr>
+          <p:nvPr/>
+        </p:nvPicPr>
+        <p:blipFill>
+          <a:blip r:embed="rId3">
+            <a:extLst>
+              <a:ext uri="{28A0092B-C50C-407E-A947-70E740481C1C}">
+                <a14:useLocalDpi xmlns:a14="http://schemas.microsoft.com/office/drawing/2010/main" val="0"/>
+              </a:ext>
+            </a:extLst>
+          </a:blip>
+          <a:stretch>
+            <a:fillRect/>
+          </a:stretch>
+        </p:blipFill>
+        <p:spPr>
+          <a:xfrm>
+            <a:off x="628891" y="688693"/>
+            <a:ext cx="7380790" cy="5535593"/>
+          </a:xfrm>
+          <a:prstGeom prst="rect">
+            <a:avLst/>
+          </a:prstGeom>
+        </p:spPr>
+      </p:pic>
+    </p:spTree>
+    <p:extLst>
+      <p:ext uri="{BB962C8B-B14F-4D97-AF65-F5344CB8AC3E}">
+        <p14:creationId xmlns:p14="http://schemas.microsoft.com/office/powerpoint/2010/main" val="275815390"/>
+      </p:ext>
+    </p:extLst>
+  </p:cSld>
+  <p:clrMapOvr>
+    <a:masterClrMapping/>
+  </p:clrMapOvr>
+  <p:timing>
+    <p:tnLst>
+      <p:par>
+        <p:cTn id="1" dur="indefinite" restart="never" nodeType="tmRoot"/>
+      </p:par>
+    </p:tnLst>
+  </p:timing>
 </p:sld>
 </file>
 
@@ -16219,6 +16701,13 @@
   <p:clrMapOvr>
     <a:masterClrMapping/>
   </p:clrMapOvr>
+  <p:timing>
+    <p:tnLst>
+      <p:par>
+        <p:cTn id="1" dur="indefinite" restart="never" nodeType="tmRoot"/>
+      </p:par>
+    </p:tnLst>
+  </p:timing>
 </p:sld>
 </file>
 
@@ -16365,6 +16854,13 @@
   <p:clrMapOvr>
     <a:masterClrMapping/>
   </p:clrMapOvr>
+  <p:timing>
+    <p:tnLst>
+      <p:par>
+        <p:cTn id="1" dur="indefinite" restart="never" nodeType="tmRoot"/>
+      </p:par>
+    </p:tnLst>
+  </p:timing>
 </p:sld>
 </file>
 
@@ -16509,6 +17005,13 @@
   <p:clrMapOvr>
     <a:masterClrMapping/>
   </p:clrMapOvr>
+  <p:timing>
+    <p:tnLst>
+      <p:par>
+        <p:cTn id="1" dur="indefinite" restart="never" nodeType="tmRoot"/>
+      </p:par>
+    </p:tnLst>
+  </p:timing>
 </p:sld>
 </file>
 
@@ -17187,6 +17690,13 @@
   <p:clrMapOvr>
     <a:masterClrMapping/>
   </p:clrMapOvr>
+  <p:timing>
+    <p:tnLst>
+      <p:par>
+        <p:cTn id="1" dur="indefinite" restart="never" nodeType="tmRoot"/>
+      </p:par>
+    </p:tnLst>
+  </p:timing>
 </p:sld>
 </file>
 
@@ -17361,6 +17871,13 @@
   <p:clrMapOvr>
     <a:masterClrMapping/>
   </p:clrMapOvr>
+  <p:timing>
+    <p:tnLst>
+      <p:par>
+        <p:cTn id="1" dur="indefinite" restart="never" nodeType="tmRoot"/>
+      </p:par>
+    </p:tnLst>
+  </p:timing>
 </p:sld>
 </file>
 
